--- a/MA Präsentation.pptx
+++ b/MA Präsentation.pptx
@@ -5,14 +5,19 @@
     <p:sldMasterId id="2147483648" r:id="rId1"/>
   </p:sldMasterIdLst>
   <p:notesMasterIdLst>
-    <p:notesMasterId r:id="rId4"/>
+    <p:notesMasterId r:id="rId9"/>
   </p:notesMasterIdLst>
   <p:handoutMasterIdLst>
-    <p:handoutMasterId r:id="rId5"/>
+    <p:handoutMasterId r:id="rId10"/>
   </p:handoutMasterIdLst>
   <p:sldIdLst>
     <p:sldId id="256" r:id="rId2"/>
     <p:sldId id="257" r:id="rId3"/>
+    <p:sldId id="258" r:id="rId4"/>
+    <p:sldId id="259" r:id="rId5"/>
+    <p:sldId id="260" r:id="rId6"/>
+    <p:sldId id="261" r:id="rId7"/>
+    <p:sldId id="262" r:id="rId8"/>
   </p:sldIdLst>
   <p:sldSz cx="12192000" cy="6858000"/>
   <p:notesSz cx="6858000" cy="9144000"/>
@@ -213,7 +218,7 @@
           <a:p>
             <a:fld id="{1DC80789-F207-4667-8DCB-D914362593A8}" type="datetimeFigureOut">
               <a:rPr lang="de-CH" smtClean="0"/>
-              <a:t>02.12.2018</a:t>
+              <a:t>05.12.2018</a:t>
             </a:fld>
             <a:endParaRPr lang="de-CH"/>
           </a:p>
@@ -391,7 +396,7 @@
           <a:p>
             <a:fld id="{B77286E3-B513-40DF-95CB-3E0E191B344C}" type="datetimeFigureOut">
               <a:rPr lang="de-CH" smtClean="0"/>
-              <a:t>02.12.2018</a:t>
+              <a:t>05.12.2018</a:t>
             </a:fld>
             <a:endParaRPr lang="de-CH"/>
           </a:p>
@@ -809,7 +814,7 @@
           <a:p>
             <a:fld id="{F1182E14-735E-48F1-A919-7AFF9C862B67}" type="datetime1">
               <a:rPr lang="de-CH" smtClean="0"/>
-              <a:t>02.12.2018</a:t>
+              <a:t>05.12.2018</a:t>
             </a:fld>
             <a:endParaRPr lang="de-CH"/>
           </a:p>
@@ -1009,7 +1014,7 @@
           <a:p>
             <a:fld id="{D3E60ECD-07CD-4D20-A7A1-5AA31C581DEB}" type="datetime1">
               <a:rPr lang="de-CH" smtClean="0"/>
-              <a:t>02.12.2018</a:t>
+              <a:t>05.12.2018</a:t>
             </a:fld>
             <a:endParaRPr lang="de-CH"/>
           </a:p>
@@ -1219,7 +1224,7 @@
           <a:p>
             <a:fld id="{23FDDD40-B075-49D9-A736-DE156356877C}" type="datetime1">
               <a:rPr lang="de-CH" smtClean="0"/>
-              <a:t>02.12.2018</a:t>
+              <a:t>05.12.2018</a:t>
             </a:fld>
             <a:endParaRPr lang="de-CH"/>
           </a:p>
@@ -1419,7 +1424,7 @@
           <a:p>
             <a:fld id="{82160C3E-C4D7-4D9E-8536-B8BC05F83BA5}" type="datetime1">
               <a:rPr lang="de-CH" smtClean="0"/>
-              <a:t>02.12.2018</a:t>
+              <a:t>05.12.2018</a:t>
             </a:fld>
             <a:endParaRPr lang="de-CH"/>
           </a:p>
@@ -1695,7 +1700,7 @@
           <a:p>
             <a:fld id="{6C84B038-D888-4D07-BCC5-2C608AAD1DD1}" type="datetime1">
               <a:rPr lang="de-CH" smtClean="0"/>
-              <a:t>02.12.2018</a:t>
+              <a:t>05.12.2018</a:t>
             </a:fld>
             <a:endParaRPr lang="de-CH"/>
           </a:p>
@@ -1963,7 +1968,7 @@
           <a:p>
             <a:fld id="{6FA05B1E-FD82-48B7-A74E-F312BFA01A4B}" type="datetime1">
               <a:rPr lang="de-CH" smtClean="0"/>
-              <a:t>02.12.2018</a:t>
+              <a:t>05.12.2018</a:t>
             </a:fld>
             <a:endParaRPr lang="de-CH"/>
           </a:p>
@@ -2378,7 +2383,7 @@
           <a:p>
             <a:fld id="{138EDF2C-3D4A-4BEB-8220-ECB088F2DDA0}" type="datetime1">
               <a:rPr lang="de-CH" smtClean="0"/>
-              <a:t>02.12.2018</a:t>
+              <a:t>05.12.2018</a:t>
             </a:fld>
             <a:endParaRPr lang="de-CH"/>
           </a:p>
@@ -2520,7 +2525,7 @@
           <a:p>
             <a:fld id="{55E3FAE9-1495-46C4-A72F-B979A1B9597B}" type="datetime1">
               <a:rPr lang="de-CH" smtClean="0"/>
-              <a:t>02.12.2018</a:t>
+              <a:t>05.12.2018</a:t>
             </a:fld>
             <a:endParaRPr lang="de-CH"/>
           </a:p>
@@ -2633,7 +2638,7 @@
           <a:p>
             <a:fld id="{7617ACA2-89B9-4354-B0A7-718B0FE73987}" type="datetime1">
               <a:rPr lang="de-CH" smtClean="0"/>
-              <a:t>02.12.2018</a:t>
+              <a:t>05.12.2018</a:t>
             </a:fld>
             <a:endParaRPr lang="de-CH"/>
           </a:p>
@@ -2946,7 +2951,7 @@
           <a:p>
             <a:fld id="{1990C28A-A19C-456E-82BD-1BCB741325D2}" type="datetime1">
               <a:rPr lang="de-CH" smtClean="0"/>
-              <a:t>02.12.2018</a:t>
+              <a:t>05.12.2018</a:t>
             </a:fld>
             <a:endParaRPr lang="de-CH"/>
           </a:p>
@@ -3235,7 +3240,7 @@
           <a:p>
             <a:fld id="{FE3A38B6-23E8-4142-AD57-70BB2D2828B0}" type="datetime1">
               <a:rPr lang="de-CH" smtClean="0"/>
-              <a:t>02.12.2018</a:t>
+              <a:t>05.12.2018</a:t>
             </a:fld>
             <a:endParaRPr lang="de-CH"/>
           </a:p>
@@ -3478,7 +3483,7 @@
           <a:p>
             <a:fld id="{0878890E-7C11-4180-9C7E-052ACF332AB7}" type="datetime1">
               <a:rPr lang="de-CH" smtClean="0"/>
-              <a:t>02.12.2018</a:t>
+              <a:t>05.12.2018</a:t>
             </a:fld>
             <a:endParaRPr lang="de-CH"/>
           </a:p>
@@ -4039,14 +4044,14 @@
             <a:pPr lvl="1"/>
             <a:r>
               <a:rPr lang="de-CH" dirty="0"/>
+              <a:t>TCP/IP</a:t>
+            </a:r>
+          </a:p>
+          <a:p>
+            <a:pPr lvl="1"/>
+            <a:r>
+              <a:rPr lang="de-CH" dirty="0"/>
               <a:t>Client-Server-Kommunikation</a:t>
-            </a:r>
-          </a:p>
-          <a:p>
-            <a:pPr lvl="1"/>
-            <a:r>
-              <a:rPr lang="de-CH" dirty="0"/>
-              <a:t>TCP/IP</a:t>
             </a:r>
           </a:p>
           <a:p>
@@ -4077,6 +4082,851 @@
     <p:extLst>
       <p:ext uri="{BB962C8B-B14F-4D97-AF65-F5344CB8AC3E}">
         <p14:creationId xmlns:p14="http://schemas.microsoft.com/office/powerpoint/2010/main" val="1456574910"/>
+      </p:ext>
+    </p:extLst>
+  </p:cSld>
+  <p:clrMapOvr>
+    <a:masterClrMapping/>
+  </p:clrMapOvr>
+</p:sld>
+</file>
+
+<file path=ppt/slides/slide3.xml><?xml version="1.0" encoding="utf-8"?>
+<p:sld xmlns:a="http://schemas.openxmlformats.org/drawingml/2006/main" xmlns:r="http://schemas.openxmlformats.org/officeDocument/2006/relationships" xmlns:p="http://schemas.openxmlformats.org/presentationml/2006/main">
+  <p:cSld>
+    <p:spTree>
+      <p:nvGrpSpPr>
+        <p:cNvPr id="1" name=""/>
+        <p:cNvGrpSpPr/>
+        <p:nvPr/>
+      </p:nvGrpSpPr>
+      <p:grpSpPr>
+        <a:xfrm>
+          <a:off x="0" y="0"/>
+          <a:ext cx="0" cy="0"/>
+          <a:chOff x="0" y="0"/>
+          <a:chExt cx="0" cy="0"/>
+        </a:xfrm>
+      </p:grpSpPr>
+      <p:sp>
+        <p:nvSpPr>
+          <p:cNvPr id="25" name="Titel 24">
+            <a:extLst>
+              <a:ext uri="{FF2B5EF4-FFF2-40B4-BE49-F238E27FC236}">
+                <a16:creationId xmlns:a16="http://schemas.microsoft.com/office/drawing/2014/main" id="{A58527AF-F3ED-4259-8EEF-B51E270E0FD7}"/>
+              </a:ext>
+            </a:extLst>
+          </p:cNvPr>
+          <p:cNvSpPr>
+            <a:spLocks noGrp="1"/>
+          </p:cNvSpPr>
+          <p:nvPr>
+            <p:ph type="title"/>
+          </p:nvPr>
+        </p:nvSpPr>
+        <p:spPr/>
+        <p:txBody>
+          <a:bodyPr/>
+          <a:lstStyle/>
+          <a:p>
+            <a:r>
+              <a:rPr lang="de-CH" dirty="0"/>
+              <a:t>TCP/IP</a:t>
+            </a:r>
+          </a:p>
+        </p:txBody>
+      </p:sp>
+      <p:sp>
+        <p:nvSpPr>
+          <p:cNvPr id="26" name="Inhaltsplatzhalter 25">
+            <a:extLst>
+              <a:ext uri="{FF2B5EF4-FFF2-40B4-BE49-F238E27FC236}">
+                <a16:creationId xmlns:a16="http://schemas.microsoft.com/office/drawing/2014/main" id="{5A7C0A8B-7BAC-4191-BBC7-3ED88BCFA960}"/>
+              </a:ext>
+            </a:extLst>
+          </p:cNvPr>
+          <p:cNvSpPr>
+            <a:spLocks noGrp="1"/>
+          </p:cNvSpPr>
+          <p:nvPr>
+            <p:ph idx="1"/>
+          </p:nvPr>
+        </p:nvSpPr>
+        <p:spPr/>
+        <p:txBody>
+          <a:bodyPr/>
+          <a:lstStyle/>
+          <a:p>
+            <a:r>
+              <a:rPr lang="de-CH" dirty="0"/>
+              <a:t>Steht für Transmission Control Protocol/Internet Protocol</a:t>
+            </a:r>
+          </a:p>
+          <a:p>
+            <a:endParaRPr lang="de-CH" dirty="0"/>
+          </a:p>
+        </p:txBody>
+      </p:sp>
+      <p:graphicFrame>
+        <p:nvGraphicFramePr>
+          <p:cNvPr id="24" name="Inhaltsplatzhalter 3">
+            <a:extLst>
+              <a:ext uri="{FF2B5EF4-FFF2-40B4-BE49-F238E27FC236}">
+                <a16:creationId xmlns:a16="http://schemas.microsoft.com/office/drawing/2014/main" id="{D126AF63-C245-4B5D-8B84-6360822FAEB7}"/>
+              </a:ext>
+            </a:extLst>
+          </p:cNvPr>
+          <p:cNvGraphicFramePr>
+            <a:graphicFrameLocks/>
+          </p:cNvGraphicFramePr>
+          <p:nvPr>
+            <p:extLst>
+              <p:ext uri="{D42A27DB-BD31-4B8C-83A1-F6EECF244321}">
+                <p14:modId xmlns:p14="http://schemas.microsoft.com/office/powerpoint/2010/main" val="915614382"/>
+              </p:ext>
+            </p:extLst>
+          </p:nvPr>
+        </p:nvGraphicFramePr>
+        <p:xfrm>
+          <a:off x="6172486" y="5071683"/>
+          <a:ext cx="5181314" cy="838200"/>
+        </p:xfrm>
+        <a:graphic>
+          <a:graphicData uri="http://schemas.openxmlformats.org/drawingml/2006/table">
+            <a:tbl>
+              <a:tblPr firstRow="1" firstCol="1" bandRow="1">
+                <a:tableStyleId>{5940675A-B579-460E-94D1-54222C63F5DA}</a:tableStyleId>
+              </a:tblPr>
+              <a:tblGrid>
+                <a:gridCol w="2590657">
+                  <a:extLst>
+                    <a:ext uri="{9D8B030D-6E8A-4147-A177-3AD203B41FA5}">
+                      <a16:colId xmlns:a16="http://schemas.microsoft.com/office/drawing/2014/main" val="4248297698"/>
+                    </a:ext>
+                  </a:extLst>
+                </a:gridCol>
+                <a:gridCol w="2590657">
+                  <a:extLst>
+                    <a:ext uri="{9D8B030D-6E8A-4147-A177-3AD203B41FA5}">
+                      <a16:colId xmlns:a16="http://schemas.microsoft.com/office/drawing/2014/main" val="2963822863"/>
+                    </a:ext>
+                  </a:extLst>
+                </a:gridCol>
+              </a:tblGrid>
+              <a:tr h="0">
+                <a:tc>
+                  <a:txBody>
+                    <a:bodyPr/>
+                    <a:lstStyle/>
+                    <a:p>
+                      <a:pPr algn="just">
+                        <a:spcBef>
+                          <a:spcPts val="200"/>
+                        </a:spcBef>
+                        <a:spcAft>
+                          <a:spcPts val="200"/>
+                        </a:spcAft>
+                      </a:pPr>
+                      <a:r>
+                        <a:rPr lang="de-CH" sz="1100" b="1" dirty="0">
+                          <a:effectLst/>
+                        </a:rPr>
+                        <a:t>TCP/IP-Schicht</a:t>
+                      </a:r>
+                      <a:endParaRPr lang="de-CH" sz="1100" b="1" dirty="0">
+                        <a:effectLst/>
+                        <a:latin typeface="Garamond" panose="02020404030301010803" pitchFamily="18" charset="0"/>
+                        <a:ea typeface="Calibri" panose="020F0502020204030204" pitchFamily="34" charset="0"/>
+                        <a:cs typeface="Times New Roman" panose="02020603050405020304" pitchFamily="18" charset="0"/>
+                      </a:endParaRPr>
+                    </a:p>
+                  </a:txBody>
+                  <a:tcPr marL="61750" marR="61750" marT="0" marB="0"/>
+                </a:tc>
+                <a:tc>
+                  <a:txBody>
+                    <a:bodyPr/>
+                    <a:lstStyle/>
+                    <a:p>
+                      <a:pPr algn="just">
+                        <a:spcBef>
+                          <a:spcPts val="200"/>
+                        </a:spcBef>
+                        <a:spcAft>
+                          <a:spcPts val="200"/>
+                        </a:spcAft>
+                      </a:pPr>
+                      <a:r>
+                        <a:rPr lang="de-CH" sz="1100" b="1" dirty="0">
+                          <a:effectLst/>
+                        </a:rPr>
+                        <a:t>Protokoll</a:t>
+                      </a:r>
+                      <a:endParaRPr lang="de-CH" sz="1100" b="1" dirty="0">
+                        <a:effectLst/>
+                        <a:latin typeface="Garamond" panose="02020404030301010803" pitchFamily="18" charset="0"/>
+                        <a:ea typeface="Calibri" panose="020F0502020204030204" pitchFamily="34" charset="0"/>
+                        <a:cs typeface="Times New Roman" panose="02020603050405020304" pitchFamily="18" charset="0"/>
+                      </a:endParaRPr>
+                    </a:p>
+                  </a:txBody>
+                  <a:tcPr marL="61750" marR="61750" marT="0" marB="0"/>
+                </a:tc>
+                <a:extLst>
+                  <a:ext uri="{0D108BD9-81ED-4DB2-BD59-A6C34878D82A}">
+                    <a16:rowId xmlns:a16="http://schemas.microsoft.com/office/drawing/2014/main" val="1057120681"/>
+                  </a:ext>
+                </a:extLst>
+              </a:tr>
+              <a:tr h="0">
+                <a:tc>
+                  <a:txBody>
+                    <a:bodyPr/>
+                    <a:lstStyle/>
+                    <a:p>
+                      <a:pPr algn="just">
+                        <a:spcBef>
+                          <a:spcPts val="200"/>
+                        </a:spcBef>
+                        <a:spcAft>
+                          <a:spcPts val="200"/>
+                        </a:spcAft>
+                      </a:pPr>
+                      <a:r>
+                        <a:rPr lang="de-CH" sz="1100" dirty="0">
+                          <a:effectLst/>
+                        </a:rPr>
+                        <a:t>Anwendung</a:t>
+                      </a:r>
+                      <a:endParaRPr lang="de-CH" sz="1100" dirty="0">
+                        <a:effectLst/>
+                        <a:latin typeface="Garamond" panose="02020404030301010803" pitchFamily="18" charset="0"/>
+                        <a:ea typeface="Calibri" panose="020F0502020204030204" pitchFamily="34" charset="0"/>
+                        <a:cs typeface="Times New Roman" panose="02020603050405020304" pitchFamily="18" charset="0"/>
+                      </a:endParaRPr>
+                    </a:p>
+                  </a:txBody>
+                  <a:tcPr marL="61750" marR="61750" marT="0" marB="0"/>
+                </a:tc>
+                <a:tc>
+                  <a:txBody>
+                    <a:bodyPr/>
+                    <a:lstStyle/>
+                    <a:p>
+                      <a:pPr algn="just">
+                        <a:spcBef>
+                          <a:spcPts val="200"/>
+                        </a:spcBef>
+                        <a:spcAft>
+                          <a:spcPts val="200"/>
+                        </a:spcAft>
+                      </a:pPr>
+                      <a:r>
+                        <a:rPr lang="de-CH" sz="1100" dirty="0">
+                          <a:effectLst/>
+                        </a:rPr>
+                        <a:t>Tichu-Protokoll</a:t>
+                      </a:r>
+                      <a:endParaRPr lang="de-CH" sz="1100" dirty="0">
+                        <a:effectLst/>
+                        <a:latin typeface="Garamond" panose="02020404030301010803" pitchFamily="18" charset="0"/>
+                        <a:ea typeface="Calibri" panose="020F0502020204030204" pitchFamily="34" charset="0"/>
+                        <a:cs typeface="Times New Roman" panose="02020603050405020304" pitchFamily="18" charset="0"/>
+                      </a:endParaRPr>
+                    </a:p>
+                  </a:txBody>
+                  <a:tcPr marL="61750" marR="61750" marT="0" marB="0"/>
+                </a:tc>
+                <a:extLst>
+                  <a:ext uri="{0D108BD9-81ED-4DB2-BD59-A6C34878D82A}">
+                    <a16:rowId xmlns:a16="http://schemas.microsoft.com/office/drawing/2014/main" val="67473394"/>
+                  </a:ext>
+                </a:extLst>
+              </a:tr>
+              <a:tr h="0">
+                <a:tc>
+                  <a:txBody>
+                    <a:bodyPr/>
+                    <a:lstStyle/>
+                    <a:p>
+                      <a:pPr algn="just">
+                        <a:spcBef>
+                          <a:spcPts val="200"/>
+                        </a:spcBef>
+                        <a:spcAft>
+                          <a:spcPts val="200"/>
+                        </a:spcAft>
+                      </a:pPr>
+                      <a:r>
+                        <a:rPr lang="de-CH" sz="1100">
+                          <a:effectLst/>
+                        </a:rPr>
+                        <a:t>Transport</a:t>
+                      </a:r>
+                      <a:endParaRPr lang="de-CH" sz="1100">
+                        <a:effectLst/>
+                        <a:latin typeface="Garamond" panose="02020404030301010803" pitchFamily="18" charset="0"/>
+                        <a:ea typeface="Calibri" panose="020F0502020204030204" pitchFamily="34" charset="0"/>
+                        <a:cs typeface="Times New Roman" panose="02020603050405020304" pitchFamily="18" charset="0"/>
+                      </a:endParaRPr>
+                    </a:p>
+                  </a:txBody>
+                  <a:tcPr marL="61750" marR="61750" marT="0" marB="0"/>
+                </a:tc>
+                <a:tc>
+                  <a:txBody>
+                    <a:bodyPr/>
+                    <a:lstStyle/>
+                    <a:p>
+                      <a:pPr algn="just">
+                        <a:spcBef>
+                          <a:spcPts val="200"/>
+                        </a:spcBef>
+                        <a:spcAft>
+                          <a:spcPts val="200"/>
+                        </a:spcAft>
+                      </a:pPr>
+                      <a:r>
+                        <a:rPr lang="de-CH" sz="1100">
+                          <a:effectLst/>
+                        </a:rPr>
+                        <a:t>TCP</a:t>
+                      </a:r>
+                      <a:endParaRPr lang="de-CH" sz="1100">
+                        <a:effectLst/>
+                        <a:latin typeface="Garamond" panose="02020404030301010803" pitchFamily="18" charset="0"/>
+                        <a:ea typeface="Calibri" panose="020F0502020204030204" pitchFamily="34" charset="0"/>
+                        <a:cs typeface="Times New Roman" panose="02020603050405020304" pitchFamily="18" charset="0"/>
+                      </a:endParaRPr>
+                    </a:p>
+                  </a:txBody>
+                  <a:tcPr marL="61750" marR="61750" marT="0" marB="0"/>
+                </a:tc>
+                <a:extLst>
+                  <a:ext uri="{0D108BD9-81ED-4DB2-BD59-A6C34878D82A}">
+                    <a16:rowId xmlns:a16="http://schemas.microsoft.com/office/drawing/2014/main" val="768094074"/>
+                  </a:ext>
+                </a:extLst>
+              </a:tr>
+              <a:tr h="0">
+                <a:tc>
+                  <a:txBody>
+                    <a:bodyPr/>
+                    <a:lstStyle/>
+                    <a:p>
+                      <a:pPr algn="just">
+                        <a:spcBef>
+                          <a:spcPts val="200"/>
+                        </a:spcBef>
+                        <a:spcAft>
+                          <a:spcPts val="200"/>
+                        </a:spcAft>
+                      </a:pPr>
+                      <a:r>
+                        <a:rPr lang="de-CH" sz="1100">
+                          <a:effectLst/>
+                        </a:rPr>
+                        <a:t>Internet</a:t>
+                      </a:r>
+                      <a:endParaRPr lang="de-CH" sz="1100">
+                        <a:effectLst/>
+                        <a:latin typeface="Garamond" panose="02020404030301010803" pitchFamily="18" charset="0"/>
+                        <a:ea typeface="Calibri" panose="020F0502020204030204" pitchFamily="34" charset="0"/>
+                        <a:cs typeface="Times New Roman" panose="02020603050405020304" pitchFamily="18" charset="0"/>
+                      </a:endParaRPr>
+                    </a:p>
+                  </a:txBody>
+                  <a:tcPr marL="61750" marR="61750" marT="0" marB="0"/>
+                </a:tc>
+                <a:tc>
+                  <a:txBody>
+                    <a:bodyPr/>
+                    <a:lstStyle/>
+                    <a:p>
+                      <a:pPr algn="just">
+                        <a:spcBef>
+                          <a:spcPts val="200"/>
+                        </a:spcBef>
+                        <a:spcAft>
+                          <a:spcPts val="200"/>
+                        </a:spcAft>
+                      </a:pPr>
+                      <a:r>
+                        <a:rPr lang="de-CH" sz="1100">
+                          <a:effectLst/>
+                        </a:rPr>
+                        <a:t>IP</a:t>
+                      </a:r>
+                      <a:endParaRPr lang="de-CH" sz="1100">
+                        <a:effectLst/>
+                        <a:latin typeface="Garamond" panose="02020404030301010803" pitchFamily="18" charset="0"/>
+                        <a:ea typeface="Calibri" panose="020F0502020204030204" pitchFamily="34" charset="0"/>
+                        <a:cs typeface="Times New Roman" panose="02020603050405020304" pitchFamily="18" charset="0"/>
+                      </a:endParaRPr>
+                    </a:p>
+                  </a:txBody>
+                  <a:tcPr marL="61750" marR="61750" marT="0" marB="0"/>
+                </a:tc>
+                <a:extLst>
+                  <a:ext uri="{0D108BD9-81ED-4DB2-BD59-A6C34878D82A}">
+                    <a16:rowId xmlns:a16="http://schemas.microsoft.com/office/drawing/2014/main" val="489894557"/>
+                  </a:ext>
+                </a:extLst>
+              </a:tr>
+              <a:tr h="0">
+                <a:tc>
+                  <a:txBody>
+                    <a:bodyPr/>
+                    <a:lstStyle/>
+                    <a:p>
+                      <a:pPr algn="just">
+                        <a:spcBef>
+                          <a:spcPts val="200"/>
+                        </a:spcBef>
+                        <a:spcAft>
+                          <a:spcPts val="200"/>
+                        </a:spcAft>
+                      </a:pPr>
+                      <a:r>
+                        <a:rPr lang="de-CH" sz="1100">
+                          <a:effectLst/>
+                        </a:rPr>
+                        <a:t>Netzzugang</a:t>
+                      </a:r>
+                      <a:endParaRPr lang="de-CH" sz="1100">
+                        <a:effectLst/>
+                        <a:latin typeface="Garamond" panose="02020404030301010803" pitchFamily="18" charset="0"/>
+                        <a:ea typeface="Calibri" panose="020F0502020204030204" pitchFamily="34" charset="0"/>
+                        <a:cs typeface="Times New Roman" panose="02020603050405020304" pitchFamily="18" charset="0"/>
+                      </a:endParaRPr>
+                    </a:p>
+                  </a:txBody>
+                  <a:tcPr marL="61750" marR="61750" marT="0" marB="0"/>
+                </a:tc>
+                <a:tc>
+                  <a:txBody>
+                    <a:bodyPr/>
+                    <a:lstStyle/>
+                    <a:p>
+                      <a:pPr algn="just">
+                        <a:spcBef>
+                          <a:spcPts val="200"/>
+                        </a:spcBef>
+                        <a:spcAft>
+                          <a:spcPts val="200"/>
+                        </a:spcAft>
+                      </a:pPr>
+                      <a:r>
+                        <a:rPr lang="de-CH" sz="1100" dirty="0">
+                          <a:effectLst/>
+                        </a:rPr>
+                        <a:t>Ethernet/WLAN</a:t>
+                      </a:r>
+                      <a:endParaRPr lang="de-CH" sz="1100" dirty="0">
+                        <a:effectLst/>
+                        <a:latin typeface="Garamond" panose="02020404030301010803" pitchFamily="18" charset="0"/>
+                        <a:ea typeface="Calibri" panose="020F0502020204030204" pitchFamily="34" charset="0"/>
+                        <a:cs typeface="Times New Roman" panose="02020603050405020304" pitchFamily="18" charset="0"/>
+                      </a:endParaRPr>
+                    </a:p>
+                  </a:txBody>
+                  <a:tcPr marL="61750" marR="61750" marT="0" marB="0"/>
+                </a:tc>
+                <a:extLst>
+                  <a:ext uri="{0D108BD9-81ED-4DB2-BD59-A6C34878D82A}">
+                    <a16:rowId xmlns:a16="http://schemas.microsoft.com/office/drawing/2014/main" val="15146562"/>
+                  </a:ext>
+                </a:extLst>
+              </a:tr>
+            </a:tbl>
+          </a:graphicData>
+        </a:graphic>
+      </p:graphicFrame>
+    </p:spTree>
+    <p:extLst>
+      <p:ext uri="{BB962C8B-B14F-4D97-AF65-F5344CB8AC3E}">
+        <p14:creationId xmlns:p14="http://schemas.microsoft.com/office/powerpoint/2010/main" val="3063308224"/>
+      </p:ext>
+    </p:extLst>
+  </p:cSld>
+  <p:clrMapOvr>
+    <a:masterClrMapping/>
+  </p:clrMapOvr>
+</p:sld>
+</file>
+
+<file path=ppt/slides/slide4.xml><?xml version="1.0" encoding="utf-8"?>
+<p:sld xmlns:a="http://schemas.openxmlformats.org/drawingml/2006/main" xmlns:r="http://schemas.openxmlformats.org/officeDocument/2006/relationships" xmlns:p="http://schemas.openxmlformats.org/presentationml/2006/main">
+  <p:cSld>
+    <p:spTree>
+      <p:nvGrpSpPr>
+        <p:cNvPr id="1" name=""/>
+        <p:cNvGrpSpPr/>
+        <p:nvPr/>
+      </p:nvGrpSpPr>
+      <p:grpSpPr>
+        <a:xfrm>
+          <a:off x="0" y="0"/>
+          <a:ext cx="0" cy="0"/>
+          <a:chOff x="0" y="0"/>
+          <a:chExt cx="0" cy="0"/>
+        </a:xfrm>
+      </p:grpSpPr>
+      <p:sp>
+        <p:nvSpPr>
+          <p:cNvPr id="2" name="Titel 1">
+            <a:extLst>
+              <a:ext uri="{FF2B5EF4-FFF2-40B4-BE49-F238E27FC236}">
+                <a16:creationId xmlns:a16="http://schemas.microsoft.com/office/drawing/2014/main" id="{4F84D192-CC26-4B0C-957A-500939BB107E}"/>
+              </a:ext>
+            </a:extLst>
+          </p:cNvPr>
+          <p:cNvSpPr>
+            <a:spLocks noGrp="1"/>
+          </p:cNvSpPr>
+          <p:nvPr>
+            <p:ph type="title"/>
+          </p:nvPr>
+        </p:nvSpPr>
+        <p:spPr/>
+        <p:txBody>
+          <a:bodyPr/>
+          <a:lstStyle/>
+          <a:p>
+            <a:r>
+              <a:rPr lang="de-CH" dirty="0"/>
+              <a:t>Client-Server-Kommunikation</a:t>
+            </a:r>
+          </a:p>
+        </p:txBody>
+      </p:sp>
+      <p:sp>
+        <p:nvSpPr>
+          <p:cNvPr id="4" name="Inhaltsplatzhalter 3">
+            <a:extLst>
+              <a:ext uri="{FF2B5EF4-FFF2-40B4-BE49-F238E27FC236}">
+                <a16:creationId xmlns:a16="http://schemas.microsoft.com/office/drawing/2014/main" id="{D28A8ED1-C132-4D03-B9FA-1471BF3FBD9B}"/>
+              </a:ext>
+            </a:extLst>
+          </p:cNvPr>
+          <p:cNvSpPr>
+            <a:spLocks noGrp="1"/>
+          </p:cNvSpPr>
+          <p:nvPr>
+            <p:ph sz="half" idx="1"/>
+          </p:nvPr>
+        </p:nvSpPr>
+        <p:spPr/>
+        <p:txBody>
+          <a:bodyPr/>
+          <a:lstStyle/>
+          <a:p>
+            <a:endParaRPr lang="de-CH" dirty="0"/>
+          </a:p>
+        </p:txBody>
+      </p:sp>
+      <p:pic>
+        <p:nvPicPr>
+          <p:cNvPr id="7" name="Inhaltsplatzhalter 6" descr="Ein Bild, das Text enthält.&#10;&#10;Mit sehr hoher Zuverlässigkeit generierte Beschreibung">
+            <a:extLst>
+              <a:ext uri="{FF2B5EF4-FFF2-40B4-BE49-F238E27FC236}">
+                <a16:creationId xmlns:a16="http://schemas.microsoft.com/office/drawing/2014/main" id="{93E123B1-29FF-43E1-B829-AD97DDF59FA9}"/>
+              </a:ext>
+            </a:extLst>
+          </p:cNvPr>
+          <p:cNvPicPr>
+            <a:picLocks noGrp="1" noChangeAspect="1"/>
+          </p:cNvPicPr>
+          <p:nvPr>
+            <p:ph sz="half" idx="2"/>
+          </p:nvPr>
+        </p:nvPicPr>
+        <p:blipFill rotWithShape="1">
+          <a:blip r:embed="rId2">
+            <a:extLst>
+              <a:ext uri="{28A0092B-C50C-407E-A947-70E740481C1C}">
+                <a14:useLocalDpi xmlns:a14="http://schemas.microsoft.com/office/drawing/2010/main" val="0"/>
+              </a:ext>
+            </a:extLst>
+          </a:blip>
+          <a:srcRect l="31507" t="-2411" r="18393" b="-1"/>
+          <a:stretch/>
+        </p:blipFill>
+        <p:spPr>
+          <a:xfrm>
+            <a:off x="7286878" y="2836258"/>
+            <a:ext cx="2595969" cy="2339732"/>
+          </a:xfrm>
+        </p:spPr>
+      </p:pic>
+    </p:spTree>
+    <p:extLst>
+      <p:ext uri="{BB962C8B-B14F-4D97-AF65-F5344CB8AC3E}">
+        <p14:creationId xmlns:p14="http://schemas.microsoft.com/office/powerpoint/2010/main" val="2965212392"/>
+      </p:ext>
+    </p:extLst>
+  </p:cSld>
+  <p:clrMapOvr>
+    <a:masterClrMapping/>
+  </p:clrMapOvr>
+</p:sld>
+</file>
+
+<file path=ppt/slides/slide5.xml><?xml version="1.0" encoding="utf-8"?>
+<p:sld xmlns:a="http://schemas.openxmlformats.org/drawingml/2006/main" xmlns:r="http://schemas.openxmlformats.org/officeDocument/2006/relationships" xmlns:p="http://schemas.openxmlformats.org/presentationml/2006/main">
+  <p:cSld>
+    <p:spTree>
+      <p:nvGrpSpPr>
+        <p:cNvPr id="1" name=""/>
+        <p:cNvGrpSpPr/>
+        <p:nvPr/>
+      </p:nvGrpSpPr>
+      <p:grpSpPr>
+        <a:xfrm>
+          <a:off x="0" y="0"/>
+          <a:ext cx="0" cy="0"/>
+          <a:chOff x="0" y="0"/>
+          <a:chExt cx="0" cy="0"/>
+        </a:xfrm>
+      </p:grpSpPr>
+      <p:sp>
+        <p:nvSpPr>
+          <p:cNvPr id="2" name="Titel 1">
+            <a:extLst>
+              <a:ext uri="{FF2B5EF4-FFF2-40B4-BE49-F238E27FC236}">
+                <a16:creationId xmlns:a16="http://schemas.microsoft.com/office/drawing/2014/main" id="{47DAF3B6-E81A-4363-ACA5-ED707C963D37}"/>
+              </a:ext>
+            </a:extLst>
+          </p:cNvPr>
+          <p:cNvSpPr>
+            <a:spLocks noGrp="1"/>
+          </p:cNvSpPr>
+          <p:nvPr>
+            <p:ph type="title"/>
+          </p:nvPr>
+        </p:nvSpPr>
+        <p:spPr/>
+        <p:txBody>
+          <a:bodyPr/>
+          <a:lstStyle/>
+          <a:p>
+            <a:r>
+              <a:rPr lang="de-CH" dirty="0"/>
+              <a:t>Delegations-Eventmodell</a:t>
+            </a:r>
+          </a:p>
+        </p:txBody>
+      </p:sp>
+      <p:sp>
+        <p:nvSpPr>
+          <p:cNvPr id="3" name="Inhaltsplatzhalter 2">
+            <a:extLst>
+              <a:ext uri="{FF2B5EF4-FFF2-40B4-BE49-F238E27FC236}">
+                <a16:creationId xmlns:a16="http://schemas.microsoft.com/office/drawing/2014/main" id="{B15E55E1-A689-4613-B4BB-325E4288927F}"/>
+              </a:ext>
+            </a:extLst>
+          </p:cNvPr>
+          <p:cNvSpPr>
+            <a:spLocks noGrp="1"/>
+          </p:cNvSpPr>
+          <p:nvPr>
+            <p:ph idx="1"/>
+          </p:nvPr>
+        </p:nvSpPr>
+        <p:spPr/>
+        <p:txBody>
+          <a:bodyPr/>
+          <a:lstStyle/>
+          <a:p>
+            <a:endParaRPr lang="de-CH"/>
+          </a:p>
+        </p:txBody>
+      </p:sp>
+    </p:spTree>
+    <p:extLst>
+      <p:ext uri="{BB962C8B-B14F-4D97-AF65-F5344CB8AC3E}">
+        <p14:creationId xmlns:p14="http://schemas.microsoft.com/office/powerpoint/2010/main" val="3987622241"/>
+      </p:ext>
+    </p:extLst>
+  </p:cSld>
+  <p:clrMapOvr>
+    <a:masterClrMapping/>
+  </p:clrMapOvr>
+</p:sld>
+</file>
+
+<file path=ppt/slides/slide6.xml><?xml version="1.0" encoding="utf-8"?>
+<p:sld xmlns:a="http://schemas.openxmlformats.org/drawingml/2006/main" xmlns:r="http://schemas.openxmlformats.org/officeDocument/2006/relationships" xmlns:p="http://schemas.openxmlformats.org/presentationml/2006/main">
+  <p:cSld>
+    <p:spTree>
+      <p:nvGrpSpPr>
+        <p:cNvPr id="1" name=""/>
+        <p:cNvGrpSpPr/>
+        <p:nvPr/>
+      </p:nvGrpSpPr>
+      <p:grpSpPr>
+        <a:xfrm>
+          <a:off x="0" y="0"/>
+          <a:ext cx="0" cy="0"/>
+          <a:chOff x="0" y="0"/>
+          <a:chExt cx="0" cy="0"/>
+        </a:xfrm>
+      </p:grpSpPr>
+      <p:sp>
+        <p:nvSpPr>
+          <p:cNvPr id="2" name="Titel 1">
+            <a:extLst>
+              <a:ext uri="{FF2B5EF4-FFF2-40B4-BE49-F238E27FC236}">
+                <a16:creationId xmlns:a16="http://schemas.microsoft.com/office/drawing/2014/main" id="{5D6B60DD-5DDC-48DF-A802-9A802788917F}"/>
+              </a:ext>
+            </a:extLst>
+          </p:cNvPr>
+          <p:cNvSpPr>
+            <a:spLocks noGrp="1"/>
+          </p:cNvSpPr>
+          <p:nvPr>
+            <p:ph type="title"/>
+          </p:nvPr>
+        </p:nvSpPr>
+        <p:spPr/>
+        <p:txBody>
+          <a:bodyPr/>
+          <a:lstStyle/>
+          <a:p>
+            <a:r>
+              <a:rPr lang="de-CH" dirty="0"/>
+              <a:t>Tichu</a:t>
+            </a:r>
+          </a:p>
+        </p:txBody>
+      </p:sp>
+      <p:sp>
+        <p:nvSpPr>
+          <p:cNvPr id="3" name="Inhaltsplatzhalter 2">
+            <a:extLst>
+              <a:ext uri="{FF2B5EF4-FFF2-40B4-BE49-F238E27FC236}">
+                <a16:creationId xmlns:a16="http://schemas.microsoft.com/office/drawing/2014/main" id="{691C9B80-3B36-450D-BD5A-DB47CA47E379}"/>
+              </a:ext>
+            </a:extLst>
+          </p:cNvPr>
+          <p:cNvSpPr>
+            <a:spLocks noGrp="1"/>
+          </p:cNvSpPr>
+          <p:nvPr>
+            <p:ph idx="1"/>
+          </p:nvPr>
+        </p:nvSpPr>
+        <p:spPr/>
+        <p:txBody>
+          <a:bodyPr/>
+          <a:lstStyle/>
+          <a:p>
+            <a:r>
+              <a:rPr lang="de-CH" dirty="0"/>
+              <a:t>Kartenspiel mit 56 Karten</a:t>
+            </a:r>
+          </a:p>
+          <a:p>
+            <a:r>
+              <a:rPr lang="de-CH" dirty="0"/>
+              <a:t>Vier Spieler in zwei Teams</a:t>
+            </a:r>
+          </a:p>
+          <a:p>
+            <a:r>
+              <a:rPr lang="de-CH" dirty="0"/>
+              <a:t>Verschiedene Kombinationen</a:t>
+            </a:r>
+          </a:p>
+          <a:p>
+            <a:endParaRPr lang="de-CH" dirty="0"/>
+          </a:p>
+        </p:txBody>
+      </p:sp>
+    </p:spTree>
+    <p:extLst>
+      <p:ext uri="{BB962C8B-B14F-4D97-AF65-F5344CB8AC3E}">
+        <p14:creationId xmlns:p14="http://schemas.microsoft.com/office/powerpoint/2010/main" val="120862264"/>
+      </p:ext>
+    </p:extLst>
+  </p:cSld>
+  <p:clrMapOvr>
+    <a:masterClrMapping/>
+  </p:clrMapOvr>
+</p:sld>
+</file>
+
+<file path=ppt/slides/slide7.xml><?xml version="1.0" encoding="utf-8"?>
+<p:sld xmlns:a="http://schemas.openxmlformats.org/drawingml/2006/main" xmlns:r="http://schemas.openxmlformats.org/officeDocument/2006/relationships" xmlns:p="http://schemas.openxmlformats.org/presentationml/2006/main">
+  <p:cSld>
+    <p:spTree>
+      <p:nvGrpSpPr>
+        <p:cNvPr id="1" name=""/>
+        <p:cNvGrpSpPr/>
+        <p:nvPr/>
+      </p:nvGrpSpPr>
+      <p:grpSpPr>
+        <a:xfrm>
+          <a:off x="0" y="0"/>
+          <a:ext cx="0" cy="0"/>
+          <a:chOff x="0" y="0"/>
+          <a:chExt cx="0" cy="0"/>
+        </a:xfrm>
+      </p:grpSpPr>
+      <p:sp>
+        <p:nvSpPr>
+          <p:cNvPr id="2" name="Titel 1">
+            <a:extLst>
+              <a:ext uri="{FF2B5EF4-FFF2-40B4-BE49-F238E27FC236}">
+                <a16:creationId xmlns:a16="http://schemas.microsoft.com/office/drawing/2014/main" id="{47A9BEBE-A9A5-4337-9EB9-BBB17FDCEC82}"/>
+              </a:ext>
+            </a:extLst>
+          </p:cNvPr>
+          <p:cNvSpPr>
+            <a:spLocks noGrp="1"/>
+          </p:cNvSpPr>
+          <p:nvPr>
+            <p:ph type="title"/>
+          </p:nvPr>
+        </p:nvSpPr>
+        <p:spPr/>
+        <p:txBody>
+          <a:bodyPr/>
+          <a:lstStyle/>
+          <a:p>
+            <a:endParaRPr lang="de-CH"/>
+          </a:p>
+        </p:txBody>
+      </p:sp>
+      <p:sp>
+        <p:nvSpPr>
+          <p:cNvPr id="3" name="Inhaltsplatzhalter 2">
+            <a:extLst>
+              <a:ext uri="{FF2B5EF4-FFF2-40B4-BE49-F238E27FC236}">
+                <a16:creationId xmlns:a16="http://schemas.microsoft.com/office/drawing/2014/main" id="{5D443579-59F6-445A-A662-E62567625D3E}"/>
+              </a:ext>
+            </a:extLst>
+          </p:cNvPr>
+          <p:cNvSpPr>
+            <a:spLocks noGrp="1"/>
+          </p:cNvSpPr>
+          <p:nvPr>
+            <p:ph idx="1"/>
+          </p:nvPr>
+        </p:nvSpPr>
+        <p:spPr/>
+        <p:txBody>
+          <a:bodyPr/>
+          <a:lstStyle/>
+          <a:p>
+            <a:endParaRPr lang="de-CH"/>
+          </a:p>
+        </p:txBody>
+      </p:sp>
+    </p:spTree>
+    <p:extLst>
+      <p:ext uri="{BB962C8B-B14F-4D97-AF65-F5344CB8AC3E}">
+        <p14:creationId xmlns:p14="http://schemas.microsoft.com/office/powerpoint/2010/main" val="2924441007"/>
       </p:ext>
     </p:extLst>
   </p:cSld>

--- a/MA Präsentation.pptx
+++ b/MA Präsentation.pptx
@@ -218,7 +218,7 @@
           <a:p>
             <a:fld id="{1DC80789-F207-4667-8DCB-D914362593A8}" type="datetimeFigureOut">
               <a:rPr lang="de-CH" smtClean="0"/>
-              <a:t>05.12.2018</a:t>
+              <a:t>11.12.2018</a:t>
             </a:fld>
             <a:endParaRPr lang="de-CH"/>
           </a:p>
@@ -396,7 +396,7 @@
           <a:p>
             <a:fld id="{B77286E3-B513-40DF-95CB-3E0E191B344C}" type="datetimeFigureOut">
               <a:rPr lang="de-CH" smtClean="0"/>
-              <a:t>05.12.2018</a:t>
+              <a:t>11.12.2018</a:t>
             </a:fld>
             <a:endParaRPr lang="de-CH"/>
           </a:p>
@@ -665,6 +665,95 @@
 </p:notesMaster>
 </file>
 
+<file path=ppt/notesSlides/notesSlide1.xml><?xml version="1.0" encoding="utf-8"?>
+<p:notes xmlns:a="http://schemas.openxmlformats.org/drawingml/2006/main" xmlns:r="http://schemas.openxmlformats.org/officeDocument/2006/relationships" xmlns:p="http://schemas.openxmlformats.org/presentationml/2006/main">
+  <p:cSld>
+    <p:spTree>
+      <p:nvGrpSpPr>
+        <p:cNvPr id="1" name=""/>
+        <p:cNvGrpSpPr/>
+        <p:nvPr/>
+      </p:nvGrpSpPr>
+      <p:grpSpPr>
+        <a:xfrm>
+          <a:off x="0" y="0"/>
+          <a:ext cx="0" cy="0"/>
+          <a:chOff x="0" y="0"/>
+          <a:chExt cx="0" cy="0"/>
+        </a:xfrm>
+      </p:grpSpPr>
+      <p:sp>
+        <p:nvSpPr>
+          <p:cNvPr id="2" name="Folienbildplatzhalter 1"/>
+          <p:cNvSpPr>
+            <a:spLocks noGrp="1" noRot="1" noChangeAspect="1"/>
+          </p:cNvSpPr>
+          <p:nvPr>
+            <p:ph type="sldImg"/>
+          </p:nvPr>
+        </p:nvSpPr>
+        <p:spPr/>
+      </p:sp>
+      <p:sp>
+        <p:nvSpPr>
+          <p:cNvPr id="3" name="Notizenplatzhalter 2"/>
+          <p:cNvSpPr>
+            <a:spLocks noGrp="1"/>
+          </p:cNvSpPr>
+          <p:nvPr>
+            <p:ph type="body" idx="1"/>
+          </p:nvPr>
+        </p:nvSpPr>
+        <p:spPr>
+          <a:xfrm>
+            <a:off x="685800" y="4486611"/>
+            <a:ext cx="5486400" cy="3600450"/>
+          </a:xfrm>
+        </p:spPr>
+        <p:txBody>
+          <a:bodyPr/>
+          <a:lstStyle/>
+          <a:p>
+            <a:endParaRPr lang="de-CH" dirty="0"/>
+          </a:p>
+        </p:txBody>
+      </p:sp>
+      <p:sp>
+        <p:nvSpPr>
+          <p:cNvPr id="4" name="Foliennummernplatzhalter 3"/>
+          <p:cNvSpPr>
+            <a:spLocks noGrp="1"/>
+          </p:cNvSpPr>
+          <p:nvPr>
+            <p:ph type="sldNum" sz="quarter" idx="10"/>
+          </p:nvPr>
+        </p:nvSpPr>
+        <p:spPr/>
+        <p:txBody>
+          <a:bodyPr/>
+          <a:lstStyle/>
+          <a:p>
+            <a:fld id="{F80A4B25-47AB-4DB9-A488-2E95469656BF}" type="slidenum">
+              <a:rPr lang="de-CH" smtClean="0"/>
+              <a:t>3</a:t>
+            </a:fld>
+            <a:endParaRPr lang="de-CH"/>
+          </a:p>
+        </p:txBody>
+      </p:sp>
+    </p:spTree>
+    <p:extLst>
+      <p:ext uri="{BB962C8B-B14F-4D97-AF65-F5344CB8AC3E}">
+        <p14:creationId xmlns:p14="http://schemas.microsoft.com/office/powerpoint/2010/main" val="3193697761"/>
+      </p:ext>
+    </p:extLst>
+  </p:cSld>
+  <p:clrMapOvr>
+    <a:masterClrMapping/>
+  </p:clrMapOvr>
+</p:notes>
+</file>
+
 <file path=ppt/slideLayouts/slideLayout1.xml><?xml version="1.0" encoding="utf-8"?>
 <p:sldLayout xmlns:a="http://schemas.openxmlformats.org/drawingml/2006/main" xmlns:r="http://schemas.openxmlformats.org/officeDocument/2006/relationships" xmlns:p="http://schemas.openxmlformats.org/presentationml/2006/main" type="title" preserve="1">
   <p:cSld name="Titelfolie">
@@ -814,7 +903,7 @@
           <a:p>
             <a:fld id="{F1182E14-735E-48F1-A919-7AFF9C862B67}" type="datetime1">
               <a:rPr lang="de-CH" smtClean="0"/>
-              <a:t>05.12.2018</a:t>
+              <a:t>11.12.2018</a:t>
             </a:fld>
             <a:endParaRPr lang="de-CH"/>
           </a:p>
@@ -1014,7 +1103,7 @@
           <a:p>
             <a:fld id="{D3E60ECD-07CD-4D20-A7A1-5AA31C581DEB}" type="datetime1">
               <a:rPr lang="de-CH" smtClean="0"/>
-              <a:t>05.12.2018</a:t>
+              <a:t>11.12.2018</a:t>
             </a:fld>
             <a:endParaRPr lang="de-CH"/>
           </a:p>
@@ -1224,7 +1313,7 @@
           <a:p>
             <a:fld id="{23FDDD40-B075-49D9-A736-DE156356877C}" type="datetime1">
               <a:rPr lang="de-CH" smtClean="0"/>
-              <a:t>05.12.2018</a:t>
+              <a:t>11.12.2018</a:t>
             </a:fld>
             <a:endParaRPr lang="de-CH"/>
           </a:p>
@@ -1424,7 +1513,7 @@
           <a:p>
             <a:fld id="{82160C3E-C4D7-4D9E-8536-B8BC05F83BA5}" type="datetime1">
               <a:rPr lang="de-CH" smtClean="0"/>
-              <a:t>05.12.2018</a:t>
+              <a:t>11.12.2018</a:t>
             </a:fld>
             <a:endParaRPr lang="de-CH"/>
           </a:p>
@@ -1700,7 +1789,7 @@
           <a:p>
             <a:fld id="{6C84B038-D888-4D07-BCC5-2C608AAD1DD1}" type="datetime1">
               <a:rPr lang="de-CH" smtClean="0"/>
-              <a:t>05.12.2018</a:t>
+              <a:t>11.12.2018</a:t>
             </a:fld>
             <a:endParaRPr lang="de-CH"/>
           </a:p>
@@ -1968,7 +2057,7 @@
           <a:p>
             <a:fld id="{6FA05B1E-FD82-48B7-A74E-F312BFA01A4B}" type="datetime1">
               <a:rPr lang="de-CH" smtClean="0"/>
-              <a:t>05.12.2018</a:t>
+              <a:t>11.12.2018</a:t>
             </a:fld>
             <a:endParaRPr lang="de-CH"/>
           </a:p>
@@ -2383,7 +2472,7 @@
           <a:p>
             <a:fld id="{138EDF2C-3D4A-4BEB-8220-ECB088F2DDA0}" type="datetime1">
               <a:rPr lang="de-CH" smtClean="0"/>
-              <a:t>05.12.2018</a:t>
+              <a:t>11.12.2018</a:t>
             </a:fld>
             <a:endParaRPr lang="de-CH"/>
           </a:p>
@@ -2525,7 +2614,7 @@
           <a:p>
             <a:fld id="{55E3FAE9-1495-46C4-A72F-B979A1B9597B}" type="datetime1">
               <a:rPr lang="de-CH" smtClean="0"/>
-              <a:t>05.12.2018</a:t>
+              <a:t>11.12.2018</a:t>
             </a:fld>
             <a:endParaRPr lang="de-CH"/>
           </a:p>
@@ -2638,7 +2727,7 @@
           <a:p>
             <a:fld id="{7617ACA2-89B9-4354-B0A7-718B0FE73987}" type="datetime1">
               <a:rPr lang="de-CH" smtClean="0"/>
-              <a:t>05.12.2018</a:t>
+              <a:t>11.12.2018</a:t>
             </a:fld>
             <a:endParaRPr lang="de-CH"/>
           </a:p>
@@ -2951,7 +3040,7 @@
           <a:p>
             <a:fld id="{1990C28A-A19C-456E-82BD-1BCB741325D2}" type="datetime1">
               <a:rPr lang="de-CH" smtClean="0"/>
-              <a:t>05.12.2018</a:t>
+              <a:t>11.12.2018</a:t>
             </a:fld>
             <a:endParaRPr lang="de-CH"/>
           </a:p>
@@ -3240,7 +3329,7 @@
           <a:p>
             <a:fld id="{FE3A38B6-23E8-4142-AD57-70BB2D2828B0}" type="datetime1">
               <a:rPr lang="de-CH" smtClean="0"/>
-              <a:t>05.12.2018</a:t>
+              <a:t>11.12.2018</a:t>
             </a:fld>
             <a:endParaRPr lang="de-CH"/>
           </a:p>
@@ -3483,7 +3572,7 @@
           <a:p>
             <a:fld id="{0878890E-7C11-4180-9C7E-052ACF332AB7}" type="datetime1">
               <a:rPr lang="de-CH" smtClean="0"/>
-              <a:t>05.12.2018</a:t>
+              <a:t>11.12.2018</a:t>
             </a:fld>
             <a:endParaRPr lang="de-CH"/>
           </a:p>
@@ -4163,6 +4252,24 @@
             </a:r>
           </a:p>
           <a:p>
+            <a:r>
+              <a:rPr lang="de-CH" dirty="0"/>
+              <a:t>Auch Internetprotokollfamilie</a:t>
+            </a:r>
+          </a:p>
+          <a:p>
+            <a:r>
+              <a:rPr lang="de-CH" dirty="0"/>
+              <a:t>Einzig erfolgreiches Netzwerkprotokoll für alle Betriebssysteme</a:t>
+            </a:r>
+          </a:p>
+          <a:p>
+            <a:r>
+              <a:rPr lang="de-CH" dirty="0"/>
+              <a:t>In Schichten unterteilt </a:t>
+            </a:r>
+          </a:p>
+          <a:p>
             <a:endParaRPr lang="de-CH" dirty="0"/>
           </a:p>
         </p:txBody>
@@ -4182,14 +4289,14 @@
           <p:nvPr>
             <p:extLst>
               <p:ext uri="{D42A27DB-BD31-4B8C-83A1-F6EECF244321}">
-                <p14:modId xmlns:p14="http://schemas.microsoft.com/office/powerpoint/2010/main" val="915614382"/>
+                <p14:modId xmlns:p14="http://schemas.microsoft.com/office/powerpoint/2010/main" val="1303325154"/>
               </p:ext>
             </p:extLst>
           </p:nvPr>
         </p:nvGraphicFramePr>
         <p:xfrm>
-          <a:off x="6172486" y="5071683"/>
-          <a:ext cx="5181314" cy="838200"/>
+          <a:off x="838199" y="4463296"/>
+          <a:ext cx="10515598" cy="1713665"/>
         </p:xfrm>
         <a:graphic>
           <a:graphicData uri="http://schemas.openxmlformats.org/drawingml/2006/table">
@@ -4198,14 +4305,14 @@
                 <a:tableStyleId>{5940675A-B579-460E-94D1-54222C63F5DA}</a:tableStyleId>
               </a:tblPr>
               <a:tblGrid>
-                <a:gridCol w="2590657">
+                <a:gridCol w="5257799">
                   <a:extLst>
                     <a:ext uri="{9D8B030D-6E8A-4147-A177-3AD203B41FA5}">
                       <a16:colId xmlns:a16="http://schemas.microsoft.com/office/drawing/2014/main" val="4248297698"/>
                     </a:ext>
                   </a:extLst>
                 </a:gridCol>
-                <a:gridCol w="2590657">
+                <a:gridCol w="5257799">
                   <a:extLst>
                     <a:ext uri="{9D8B030D-6E8A-4147-A177-3AD203B41FA5}">
                       <a16:colId xmlns:a16="http://schemas.microsoft.com/office/drawing/2014/main" val="2963822863"/>
@@ -4213,7 +4320,7 @@
                   </a:extLst>
                 </a:gridCol>
               </a:tblGrid>
-              <a:tr h="0">
+              <a:tr h="342733">
                 <a:tc>
                   <a:txBody>
                     <a:bodyPr/>
@@ -4228,12 +4335,12 @@
                         </a:spcAft>
                       </a:pPr>
                       <a:r>
-                        <a:rPr lang="de-CH" sz="1100" b="1" dirty="0">
+                        <a:rPr lang="de-CH" sz="2200" b="1" dirty="0">
                           <a:effectLst/>
                         </a:rPr>
                         <a:t>TCP/IP-Schicht</a:t>
                       </a:r>
-                      <a:endParaRPr lang="de-CH" sz="1100" b="1" dirty="0">
+                      <a:endParaRPr lang="de-CH" sz="2200" b="1" dirty="0">
                         <a:effectLst/>
                         <a:latin typeface="Garamond" panose="02020404030301010803" pitchFamily="18" charset="0"/>
                         <a:ea typeface="Calibri" panose="020F0502020204030204" pitchFamily="34" charset="0"/>
@@ -4241,7 +4348,7 @@
                       </a:endParaRPr>
                     </a:p>
                   </a:txBody>
-                  <a:tcPr marL="61750" marR="61750" marT="0" marB="0"/>
+                  <a:tcPr marL="125323" marR="125323" marT="0" marB="0"/>
                 </a:tc>
                 <a:tc>
                   <a:txBody>
@@ -4257,12 +4364,12 @@
                         </a:spcAft>
                       </a:pPr>
                       <a:r>
-                        <a:rPr lang="de-CH" sz="1100" b="1" dirty="0">
+                        <a:rPr lang="de-CH" sz="2200" b="1" dirty="0">
                           <a:effectLst/>
                         </a:rPr>
                         <a:t>Protokoll</a:t>
                       </a:r>
-                      <a:endParaRPr lang="de-CH" sz="1100" b="1" dirty="0">
+                      <a:endParaRPr lang="de-CH" sz="2200" b="1" dirty="0">
                         <a:effectLst/>
                         <a:latin typeface="Garamond" panose="02020404030301010803" pitchFamily="18" charset="0"/>
                         <a:ea typeface="Calibri" panose="020F0502020204030204" pitchFamily="34" charset="0"/>
@@ -4270,7 +4377,7 @@
                       </a:endParaRPr>
                     </a:p>
                   </a:txBody>
-                  <a:tcPr marL="61750" marR="61750" marT="0" marB="0"/>
+                  <a:tcPr marL="125323" marR="125323" marT="0" marB="0"/>
                 </a:tc>
                 <a:extLst>
                   <a:ext uri="{0D108BD9-81ED-4DB2-BD59-A6C34878D82A}">
@@ -4278,7 +4385,7 @@
                   </a:ext>
                 </a:extLst>
               </a:tr>
-              <a:tr h="0">
+              <a:tr h="342733">
                 <a:tc>
                   <a:txBody>
                     <a:bodyPr/>
@@ -4293,12 +4400,12 @@
                         </a:spcAft>
                       </a:pPr>
                       <a:r>
-                        <a:rPr lang="de-CH" sz="1100" dirty="0">
+                        <a:rPr lang="de-CH" sz="2200" dirty="0">
                           <a:effectLst/>
                         </a:rPr>
                         <a:t>Anwendung</a:t>
                       </a:r>
-                      <a:endParaRPr lang="de-CH" sz="1100" dirty="0">
+                      <a:endParaRPr lang="de-CH" sz="2200" dirty="0">
                         <a:effectLst/>
                         <a:latin typeface="Garamond" panose="02020404030301010803" pitchFamily="18" charset="0"/>
                         <a:ea typeface="Calibri" panose="020F0502020204030204" pitchFamily="34" charset="0"/>
@@ -4306,7 +4413,7 @@
                       </a:endParaRPr>
                     </a:p>
                   </a:txBody>
-                  <a:tcPr marL="61750" marR="61750" marT="0" marB="0"/>
+                  <a:tcPr marL="125323" marR="125323" marT="0" marB="0"/>
                 </a:tc>
                 <a:tc>
                   <a:txBody>
@@ -4322,12 +4429,12 @@
                         </a:spcAft>
                       </a:pPr>
                       <a:r>
-                        <a:rPr lang="de-CH" sz="1100" dirty="0">
+                        <a:rPr lang="de-CH" sz="2200" dirty="0">
                           <a:effectLst/>
                         </a:rPr>
                         <a:t>Tichu-Protokoll</a:t>
                       </a:r>
-                      <a:endParaRPr lang="de-CH" sz="1100" dirty="0">
+                      <a:endParaRPr lang="de-CH" sz="2200" dirty="0">
                         <a:effectLst/>
                         <a:latin typeface="Garamond" panose="02020404030301010803" pitchFamily="18" charset="0"/>
                         <a:ea typeface="Calibri" panose="020F0502020204030204" pitchFamily="34" charset="0"/>
@@ -4335,7 +4442,7 @@
                       </a:endParaRPr>
                     </a:p>
                   </a:txBody>
-                  <a:tcPr marL="61750" marR="61750" marT="0" marB="0"/>
+                  <a:tcPr marL="125323" marR="125323" marT="0" marB="0"/>
                 </a:tc>
                 <a:extLst>
                   <a:ext uri="{0D108BD9-81ED-4DB2-BD59-A6C34878D82A}">
@@ -4343,7 +4450,7 @@
                   </a:ext>
                 </a:extLst>
               </a:tr>
-              <a:tr h="0">
+              <a:tr h="342733">
                 <a:tc>
                   <a:txBody>
                     <a:bodyPr/>
@@ -4358,12 +4465,12 @@
                         </a:spcAft>
                       </a:pPr>
                       <a:r>
-                        <a:rPr lang="de-CH" sz="1100">
+                        <a:rPr lang="de-CH" sz="2200" dirty="0">
                           <a:effectLst/>
                         </a:rPr>
                         <a:t>Transport</a:t>
                       </a:r>
-                      <a:endParaRPr lang="de-CH" sz="1100">
+                      <a:endParaRPr lang="de-CH" sz="2200" dirty="0">
                         <a:effectLst/>
                         <a:latin typeface="Garamond" panose="02020404030301010803" pitchFamily="18" charset="0"/>
                         <a:ea typeface="Calibri" panose="020F0502020204030204" pitchFamily="34" charset="0"/>
@@ -4371,7 +4478,7 @@
                       </a:endParaRPr>
                     </a:p>
                   </a:txBody>
-                  <a:tcPr marL="61750" marR="61750" marT="0" marB="0"/>
+                  <a:tcPr marL="125323" marR="125323" marT="0" marB="0"/>
                 </a:tc>
                 <a:tc>
                   <a:txBody>
@@ -4387,12 +4494,12 @@
                         </a:spcAft>
                       </a:pPr>
                       <a:r>
-                        <a:rPr lang="de-CH" sz="1100">
+                        <a:rPr lang="de-CH" sz="2200">
                           <a:effectLst/>
                         </a:rPr>
                         <a:t>TCP</a:t>
                       </a:r>
-                      <a:endParaRPr lang="de-CH" sz="1100">
+                      <a:endParaRPr lang="de-CH" sz="2200">
                         <a:effectLst/>
                         <a:latin typeface="Garamond" panose="02020404030301010803" pitchFamily="18" charset="0"/>
                         <a:ea typeface="Calibri" panose="020F0502020204030204" pitchFamily="34" charset="0"/>
@@ -4400,7 +4507,7 @@
                       </a:endParaRPr>
                     </a:p>
                   </a:txBody>
-                  <a:tcPr marL="61750" marR="61750" marT="0" marB="0"/>
+                  <a:tcPr marL="125323" marR="125323" marT="0" marB="0"/>
                 </a:tc>
                 <a:extLst>
                   <a:ext uri="{0D108BD9-81ED-4DB2-BD59-A6C34878D82A}">
@@ -4408,7 +4515,7 @@
                   </a:ext>
                 </a:extLst>
               </a:tr>
-              <a:tr h="0">
+              <a:tr h="342733">
                 <a:tc>
                   <a:txBody>
                     <a:bodyPr/>
@@ -4423,12 +4530,12 @@
                         </a:spcAft>
                       </a:pPr>
                       <a:r>
-                        <a:rPr lang="de-CH" sz="1100">
+                        <a:rPr lang="de-CH" sz="2200">
                           <a:effectLst/>
                         </a:rPr>
                         <a:t>Internet</a:t>
                       </a:r>
-                      <a:endParaRPr lang="de-CH" sz="1100">
+                      <a:endParaRPr lang="de-CH" sz="2200">
                         <a:effectLst/>
                         <a:latin typeface="Garamond" panose="02020404030301010803" pitchFamily="18" charset="0"/>
                         <a:ea typeface="Calibri" panose="020F0502020204030204" pitchFamily="34" charset="0"/>
@@ -4436,7 +4543,7 @@
                       </a:endParaRPr>
                     </a:p>
                   </a:txBody>
-                  <a:tcPr marL="61750" marR="61750" marT="0" marB="0"/>
+                  <a:tcPr marL="125323" marR="125323" marT="0" marB="0"/>
                 </a:tc>
                 <a:tc>
                   <a:txBody>
@@ -4452,12 +4559,12 @@
                         </a:spcAft>
                       </a:pPr>
                       <a:r>
-                        <a:rPr lang="de-CH" sz="1100">
+                        <a:rPr lang="de-CH" sz="2200">
                           <a:effectLst/>
                         </a:rPr>
                         <a:t>IP</a:t>
                       </a:r>
-                      <a:endParaRPr lang="de-CH" sz="1100">
+                      <a:endParaRPr lang="de-CH" sz="2200">
                         <a:effectLst/>
                         <a:latin typeface="Garamond" panose="02020404030301010803" pitchFamily="18" charset="0"/>
                         <a:ea typeface="Calibri" panose="020F0502020204030204" pitchFamily="34" charset="0"/>
@@ -4465,7 +4572,7 @@
                       </a:endParaRPr>
                     </a:p>
                   </a:txBody>
-                  <a:tcPr marL="61750" marR="61750" marT="0" marB="0"/>
+                  <a:tcPr marL="125323" marR="125323" marT="0" marB="0"/>
                 </a:tc>
                 <a:extLst>
                   <a:ext uri="{0D108BD9-81ED-4DB2-BD59-A6C34878D82A}">
@@ -4473,7 +4580,7 @@
                   </a:ext>
                 </a:extLst>
               </a:tr>
-              <a:tr h="0">
+              <a:tr h="342733">
                 <a:tc>
                   <a:txBody>
                     <a:bodyPr/>
@@ -4488,12 +4595,12 @@
                         </a:spcAft>
                       </a:pPr>
                       <a:r>
-                        <a:rPr lang="de-CH" sz="1100">
+                        <a:rPr lang="de-CH" sz="2200">
                           <a:effectLst/>
                         </a:rPr>
                         <a:t>Netzzugang</a:t>
                       </a:r>
-                      <a:endParaRPr lang="de-CH" sz="1100">
+                      <a:endParaRPr lang="de-CH" sz="2200">
                         <a:effectLst/>
                         <a:latin typeface="Garamond" panose="02020404030301010803" pitchFamily="18" charset="0"/>
                         <a:ea typeface="Calibri" panose="020F0502020204030204" pitchFamily="34" charset="0"/>
@@ -4501,7 +4608,7 @@
                       </a:endParaRPr>
                     </a:p>
                   </a:txBody>
-                  <a:tcPr marL="61750" marR="61750" marT="0" marB="0"/>
+                  <a:tcPr marL="125323" marR="125323" marT="0" marB="0"/>
                 </a:tc>
                 <a:tc>
                   <a:txBody>
@@ -4517,12 +4624,12 @@
                         </a:spcAft>
                       </a:pPr>
                       <a:r>
-                        <a:rPr lang="de-CH" sz="1100" dirty="0">
+                        <a:rPr lang="de-CH" sz="2200" dirty="0">
                           <a:effectLst/>
                         </a:rPr>
                         <a:t>Ethernet/WLAN</a:t>
                       </a:r>
-                      <a:endParaRPr lang="de-CH" sz="1100" dirty="0">
+                      <a:endParaRPr lang="de-CH" sz="2200" dirty="0">
                         <a:effectLst/>
                         <a:latin typeface="Garamond" panose="02020404030301010803" pitchFamily="18" charset="0"/>
                         <a:ea typeface="Calibri" panose="020F0502020204030204" pitchFamily="34" charset="0"/>
@@ -4530,7 +4637,7 @@
                       </a:endParaRPr>
                     </a:p>
                   </a:txBody>
-                  <a:tcPr marL="61750" marR="61750" marT="0" marB="0"/>
+                  <a:tcPr marL="125323" marR="125323" marT="0" marB="0"/>
                 </a:tc>
                 <a:extLst>
                   <a:ext uri="{0D108BD9-81ED-4DB2-BD59-A6C34878D82A}">
@@ -4594,32 +4701,50 @@
           <a:lstStyle/>
           <a:p>
             <a:r>
+              <a:rPr lang="de-CH"/>
+              <a:t>Client-Server-Kommunikation</a:t>
+            </a:r>
+            <a:endParaRPr lang="de-CH" dirty="0"/>
+          </a:p>
+        </p:txBody>
+      </p:sp>
+      <p:sp>
+        <p:nvSpPr>
+          <p:cNvPr id="4" name="Inhaltsplatzhalter 3">
+            <a:extLst>
+              <a:ext uri="{FF2B5EF4-FFF2-40B4-BE49-F238E27FC236}">
+                <a16:creationId xmlns:a16="http://schemas.microsoft.com/office/drawing/2014/main" id="{D28A8ED1-C132-4D03-B9FA-1471BF3FBD9B}"/>
+              </a:ext>
+            </a:extLst>
+          </p:cNvPr>
+          <p:cNvSpPr>
+            <a:spLocks noGrp="1"/>
+          </p:cNvSpPr>
+          <p:nvPr>
+            <p:ph sz="half" idx="1"/>
+          </p:nvPr>
+        </p:nvSpPr>
+        <p:spPr>
+          <a:xfrm>
+            <a:off x="838200" y="1825625"/>
+            <a:ext cx="5257800" cy="4351338"/>
+          </a:xfrm>
+        </p:spPr>
+        <p:txBody>
+          <a:bodyPr/>
+          <a:lstStyle/>
+          <a:p>
+            <a:r>
               <a:rPr lang="de-CH" dirty="0"/>
-              <a:t>Client-Server-Kommunikation</a:t>
-            </a:r>
-          </a:p>
-        </p:txBody>
-      </p:sp>
-      <p:sp>
-        <p:nvSpPr>
-          <p:cNvPr id="4" name="Inhaltsplatzhalter 3">
-            <a:extLst>
-              <a:ext uri="{FF2B5EF4-FFF2-40B4-BE49-F238E27FC236}">
-                <a16:creationId xmlns:a16="http://schemas.microsoft.com/office/drawing/2014/main" id="{D28A8ED1-C132-4D03-B9FA-1471BF3FBD9B}"/>
-              </a:ext>
-            </a:extLst>
-          </p:cNvPr>
-          <p:cNvSpPr>
-            <a:spLocks noGrp="1"/>
-          </p:cNvSpPr>
-          <p:nvPr>
-            <p:ph sz="half" idx="1"/>
-          </p:nvPr>
-        </p:nvSpPr>
-        <p:spPr/>
-        <p:txBody>
-          <a:bodyPr/>
-          <a:lstStyle/>
+              <a:t>Client: sendet Anfragen an Server</a:t>
+            </a:r>
+          </a:p>
+          <a:p>
+            <a:r>
+              <a:rPr lang="de-CH" dirty="0"/>
+              <a:t>Sever: reagiert auf Anfragen des Clients</a:t>
+            </a:r>
+          </a:p>
           <a:p>
             <a:endParaRPr lang="de-CH" dirty="0"/>
           </a:p>
@@ -4654,8 +4779,8 @@
         </p:blipFill>
         <p:spPr>
           <a:xfrm>
-            <a:off x="7286878" y="2836258"/>
-            <a:ext cx="2595969" cy="2339732"/>
+            <a:off x="6959400" y="2375707"/>
+            <a:ext cx="3607200" cy="3251174"/>
           </a:xfrm>
         </p:spPr>
       </p:pic>
@@ -4738,7 +4863,7 @@
           <a:bodyPr/>
           <a:lstStyle/>
           <a:p>
-            <a:endParaRPr lang="de-CH"/>
+            <a:endParaRPr lang="de-CH" dirty="0"/>
           </a:p>
         </p:txBody>
       </p:sp>

--- a/MA Präsentation.pptx
+++ b/MA Präsentation.pptx
@@ -5,10 +5,10 @@
     <p:sldMasterId id="2147483648" r:id="rId1"/>
   </p:sldMasterIdLst>
   <p:notesMasterIdLst>
-    <p:notesMasterId r:id="rId9"/>
+    <p:notesMasterId r:id="rId10"/>
   </p:notesMasterIdLst>
   <p:handoutMasterIdLst>
-    <p:handoutMasterId r:id="rId10"/>
+    <p:handoutMasterId r:id="rId11"/>
   </p:handoutMasterIdLst>
   <p:sldIdLst>
     <p:sldId id="256" r:id="rId2"/>
@@ -18,6 +18,7 @@
     <p:sldId id="260" r:id="rId6"/>
     <p:sldId id="261" r:id="rId7"/>
     <p:sldId id="262" r:id="rId8"/>
+    <p:sldId id="263" r:id="rId9"/>
   </p:sldIdLst>
   <p:sldSz cx="12192000" cy="6858000"/>
   <p:notesSz cx="6858000" cy="9144000"/>
@@ -120,6 +121,9 @@
     <p:ext uri="{EFAFB233-063F-42B5-8137-9DF3F51BA10A}">
       <p15:sldGuideLst xmlns:p15="http://schemas.microsoft.com/office/powerpoint/2012/main"/>
     </p:ext>
+    <p:ext uri="{2D200454-40CA-4A62-9FC3-DE9A4176ACB9}">
+      <p15:notesGuideLst xmlns:p15="http://schemas.microsoft.com/office/powerpoint/2012/main"/>
+    </p:ext>
   </p:extLst>
 </p:presentation>
 </file>
@@ -218,7 +222,7 @@
           <a:p>
             <a:fld id="{1DC80789-F207-4667-8DCB-D914362593A8}" type="datetimeFigureOut">
               <a:rPr lang="de-CH" smtClean="0"/>
-              <a:t>11.12.2018</a:t>
+              <a:t>16.12.2018</a:t>
             </a:fld>
             <a:endParaRPr lang="de-CH"/>
           </a:p>
@@ -396,7 +400,7 @@
           <a:p>
             <a:fld id="{B77286E3-B513-40DF-95CB-3E0E191B344C}" type="datetimeFigureOut">
               <a:rPr lang="de-CH" smtClean="0"/>
-              <a:t>11.12.2018</a:t>
+              <a:t>16.12.2018</a:t>
             </a:fld>
             <a:endParaRPr lang="de-CH"/>
           </a:p>
@@ -903,7 +907,7 @@
           <a:p>
             <a:fld id="{F1182E14-735E-48F1-A919-7AFF9C862B67}" type="datetime1">
               <a:rPr lang="de-CH" smtClean="0"/>
-              <a:t>11.12.2018</a:t>
+              <a:t>16.12.2018</a:t>
             </a:fld>
             <a:endParaRPr lang="de-CH"/>
           </a:p>
@@ -1103,7 +1107,7 @@
           <a:p>
             <a:fld id="{D3E60ECD-07CD-4D20-A7A1-5AA31C581DEB}" type="datetime1">
               <a:rPr lang="de-CH" smtClean="0"/>
-              <a:t>11.12.2018</a:t>
+              <a:t>16.12.2018</a:t>
             </a:fld>
             <a:endParaRPr lang="de-CH"/>
           </a:p>
@@ -1313,7 +1317,7 @@
           <a:p>
             <a:fld id="{23FDDD40-B075-49D9-A736-DE156356877C}" type="datetime1">
               <a:rPr lang="de-CH" smtClean="0"/>
-              <a:t>11.12.2018</a:t>
+              <a:t>16.12.2018</a:t>
             </a:fld>
             <a:endParaRPr lang="de-CH"/>
           </a:p>
@@ -1513,7 +1517,7 @@
           <a:p>
             <a:fld id="{82160C3E-C4D7-4D9E-8536-B8BC05F83BA5}" type="datetime1">
               <a:rPr lang="de-CH" smtClean="0"/>
-              <a:t>11.12.2018</a:t>
+              <a:t>16.12.2018</a:t>
             </a:fld>
             <a:endParaRPr lang="de-CH"/>
           </a:p>
@@ -1789,7 +1793,7 @@
           <a:p>
             <a:fld id="{6C84B038-D888-4D07-BCC5-2C608AAD1DD1}" type="datetime1">
               <a:rPr lang="de-CH" smtClean="0"/>
-              <a:t>11.12.2018</a:t>
+              <a:t>16.12.2018</a:t>
             </a:fld>
             <a:endParaRPr lang="de-CH"/>
           </a:p>
@@ -2057,7 +2061,7 @@
           <a:p>
             <a:fld id="{6FA05B1E-FD82-48B7-A74E-F312BFA01A4B}" type="datetime1">
               <a:rPr lang="de-CH" smtClean="0"/>
-              <a:t>11.12.2018</a:t>
+              <a:t>16.12.2018</a:t>
             </a:fld>
             <a:endParaRPr lang="de-CH"/>
           </a:p>
@@ -2472,7 +2476,7 @@
           <a:p>
             <a:fld id="{138EDF2C-3D4A-4BEB-8220-ECB088F2DDA0}" type="datetime1">
               <a:rPr lang="de-CH" smtClean="0"/>
-              <a:t>11.12.2018</a:t>
+              <a:t>16.12.2018</a:t>
             </a:fld>
             <a:endParaRPr lang="de-CH"/>
           </a:p>
@@ -2614,7 +2618,7 @@
           <a:p>
             <a:fld id="{55E3FAE9-1495-46C4-A72F-B979A1B9597B}" type="datetime1">
               <a:rPr lang="de-CH" smtClean="0"/>
-              <a:t>11.12.2018</a:t>
+              <a:t>16.12.2018</a:t>
             </a:fld>
             <a:endParaRPr lang="de-CH"/>
           </a:p>
@@ -2727,7 +2731,7 @@
           <a:p>
             <a:fld id="{7617ACA2-89B9-4354-B0A7-718B0FE73987}" type="datetime1">
               <a:rPr lang="de-CH" smtClean="0"/>
-              <a:t>11.12.2018</a:t>
+              <a:t>16.12.2018</a:t>
             </a:fld>
             <a:endParaRPr lang="de-CH"/>
           </a:p>
@@ -3040,7 +3044,7 @@
           <a:p>
             <a:fld id="{1990C28A-A19C-456E-82BD-1BCB741325D2}" type="datetime1">
               <a:rPr lang="de-CH" smtClean="0"/>
-              <a:t>11.12.2018</a:t>
+              <a:t>16.12.2018</a:t>
             </a:fld>
             <a:endParaRPr lang="de-CH"/>
           </a:p>
@@ -3329,7 +3333,7 @@
           <a:p>
             <a:fld id="{FE3A38B6-23E8-4142-AD57-70BB2D2828B0}" type="datetime1">
               <a:rPr lang="de-CH" smtClean="0"/>
-              <a:t>11.12.2018</a:t>
+              <a:t>16.12.2018</a:t>
             </a:fld>
             <a:endParaRPr lang="de-CH"/>
           </a:p>
@@ -3572,7 +3576,7 @@
           <a:p>
             <a:fld id="{0878890E-7C11-4180-9C7E-052ACF332AB7}" type="datetime1">
               <a:rPr lang="de-CH" smtClean="0"/>
-              <a:t>11.12.2018</a:t>
+              <a:t>16.12.2018</a:t>
             </a:fld>
             <a:endParaRPr lang="de-CH"/>
           </a:p>
@@ -4844,18 +4848,18 @@
       </p:sp>
       <p:sp>
         <p:nvSpPr>
-          <p:cNvPr id="3" name="Inhaltsplatzhalter 2">
-            <a:extLst>
-              <a:ext uri="{FF2B5EF4-FFF2-40B4-BE49-F238E27FC236}">
-                <a16:creationId xmlns:a16="http://schemas.microsoft.com/office/drawing/2014/main" id="{B15E55E1-A689-4613-B4BB-325E4288927F}"/>
-              </a:ext>
-            </a:extLst>
-          </p:cNvPr>
-          <p:cNvSpPr>
-            <a:spLocks noGrp="1"/>
-          </p:cNvSpPr>
-          <p:nvPr>
-            <p:ph idx="1"/>
+          <p:cNvPr id="4" name="Inhaltsplatzhalter 3">
+            <a:extLst>
+              <a:ext uri="{FF2B5EF4-FFF2-40B4-BE49-F238E27FC236}">
+                <a16:creationId xmlns:a16="http://schemas.microsoft.com/office/drawing/2014/main" id="{DD27A561-E988-4A25-B442-4CE9EEB8EB7E}"/>
+              </a:ext>
+            </a:extLst>
+          </p:cNvPr>
+          <p:cNvSpPr>
+            <a:spLocks noGrp="1"/>
+          </p:cNvSpPr>
+          <p:nvPr>
+            <p:ph sz="half" idx="1"/>
           </p:nvPr>
         </p:nvSpPr>
         <p:spPr/>
@@ -4863,10 +4867,72 @@
           <a:bodyPr/>
           <a:lstStyle/>
           <a:p>
+            <a:r>
+              <a:rPr lang="de-CH" dirty="0"/>
+              <a:t>Ereignisgesteuerte Programme haben </a:t>
+            </a:r>
+            <a:r>
+              <a:rPr lang="de-CH" dirty="0" err="1"/>
+              <a:t>Callbackmethoden</a:t>
+            </a:r>
             <a:endParaRPr lang="de-CH" dirty="0"/>
           </a:p>
-        </p:txBody>
-      </p:sp>
+          <a:p>
+            <a:r>
+              <a:rPr lang="de-CH" dirty="0"/>
+              <a:t> zur Verwendung von </a:t>
+            </a:r>
+            <a:r>
+              <a:rPr lang="de-CH" dirty="0" err="1"/>
+              <a:t>Callbackmethoden</a:t>
+            </a:r>
+            <a:r>
+              <a:rPr lang="de-CH" dirty="0"/>
+              <a:t> muss ein </a:t>
+            </a:r>
+            <a:r>
+              <a:rPr lang="de-CH" dirty="0" err="1"/>
+              <a:t>Eventlistener</a:t>
+            </a:r>
+            <a:r>
+              <a:rPr lang="de-CH" dirty="0"/>
+              <a:t> implementiert werden</a:t>
+            </a:r>
+          </a:p>
+        </p:txBody>
+      </p:sp>
+      <p:pic>
+        <p:nvPicPr>
+          <p:cNvPr id="6" name="Inhaltsplatzhalter 5">
+            <a:extLst>
+              <a:ext uri="{FF2B5EF4-FFF2-40B4-BE49-F238E27FC236}">
+                <a16:creationId xmlns:a16="http://schemas.microsoft.com/office/drawing/2014/main" id="{7D2FACA9-3305-42B8-B882-A0E4E2EA9B2E}"/>
+              </a:ext>
+            </a:extLst>
+          </p:cNvPr>
+          <p:cNvPicPr>
+            <a:picLocks noGrp="1"/>
+          </p:cNvPicPr>
+          <p:nvPr>
+            <p:ph sz="half" idx="2"/>
+          </p:nvPr>
+        </p:nvPicPr>
+        <p:blipFill>
+          <a:blip r:embed="rId2"/>
+          <a:stretch>
+            <a:fillRect/>
+          </a:stretch>
+        </p:blipFill>
+        <p:spPr>
+          <a:xfrm>
+            <a:off x="6172200" y="2493849"/>
+            <a:ext cx="5181600" cy="3014889"/>
+          </a:xfrm>
+          <a:prstGeom prst="rect">
+            <a:avLst/>
+          </a:prstGeom>
+        </p:spPr>
+      </p:pic>
     </p:spTree>
     <p:extLst>
       <p:ext uri="{BB962C8B-B14F-4D97-AF65-F5344CB8AC3E}">
@@ -5019,7 +5085,10 @@
           <a:bodyPr/>
           <a:lstStyle/>
           <a:p>
-            <a:endParaRPr lang="de-CH"/>
+            <a:r>
+              <a:rPr lang="de-CH" dirty="0"/>
+              <a:t>Demonstration</a:t>
+            </a:r>
           </a:p>
         </p:txBody>
       </p:sp>
@@ -5044,7 +5113,22 @@
           <a:bodyPr/>
           <a:lstStyle/>
           <a:p>
-            <a:endParaRPr lang="de-CH"/>
+            <a:r>
+              <a:rPr lang="de-CH" dirty="0"/>
+              <a:t>4 PCs</a:t>
+            </a:r>
+          </a:p>
+          <a:p>
+            <a:r>
+              <a:rPr lang="de-CH" dirty="0"/>
+              <a:t>Server Programm</a:t>
+            </a:r>
+          </a:p>
+          <a:p>
+            <a:r>
+              <a:rPr lang="de-CH" dirty="0"/>
+              <a:t>4 mal Client Programm</a:t>
+            </a:r>
           </a:p>
         </p:txBody>
       </p:sp>
@@ -5052,6 +5136,86 @@
     <p:extLst>
       <p:ext uri="{BB962C8B-B14F-4D97-AF65-F5344CB8AC3E}">
         <p14:creationId xmlns:p14="http://schemas.microsoft.com/office/powerpoint/2010/main" val="2924441007"/>
+      </p:ext>
+    </p:extLst>
+  </p:cSld>
+  <p:clrMapOvr>
+    <a:masterClrMapping/>
+  </p:clrMapOvr>
+</p:sld>
+</file>
+
+<file path=ppt/slides/slide8.xml><?xml version="1.0" encoding="utf-8"?>
+<p:sld xmlns:a="http://schemas.openxmlformats.org/drawingml/2006/main" xmlns:r="http://schemas.openxmlformats.org/officeDocument/2006/relationships" xmlns:p="http://schemas.openxmlformats.org/presentationml/2006/main">
+  <p:cSld>
+    <p:spTree>
+      <p:nvGrpSpPr>
+        <p:cNvPr id="1" name=""/>
+        <p:cNvGrpSpPr/>
+        <p:nvPr/>
+      </p:nvGrpSpPr>
+      <p:grpSpPr>
+        <a:xfrm>
+          <a:off x="0" y="0"/>
+          <a:ext cx="0" cy="0"/>
+          <a:chOff x="0" y="0"/>
+          <a:chExt cx="0" cy="0"/>
+        </a:xfrm>
+      </p:grpSpPr>
+      <p:sp>
+        <p:nvSpPr>
+          <p:cNvPr id="2" name="Titel 1">
+            <a:extLst>
+              <a:ext uri="{FF2B5EF4-FFF2-40B4-BE49-F238E27FC236}">
+                <a16:creationId xmlns:a16="http://schemas.microsoft.com/office/drawing/2014/main" id="{2BF3529B-010B-4F70-9371-58733E14E874}"/>
+              </a:ext>
+            </a:extLst>
+          </p:cNvPr>
+          <p:cNvSpPr>
+            <a:spLocks noGrp="1"/>
+          </p:cNvSpPr>
+          <p:nvPr>
+            <p:ph type="title"/>
+          </p:nvPr>
+        </p:nvSpPr>
+        <p:spPr/>
+        <p:txBody>
+          <a:bodyPr/>
+          <a:lstStyle/>
+          <a:p>
+            <a:endParaRPr lang="de-CH"/>
+          </a:p>
+        </p:txBody>
+      </p:sp>
+      <p:sp>
+        <p:nvSpPr>
+          <p:cNvPr id="3" name="Inhaltsplatzhalter 2">
+            <a:extLst>
+              <a:ext uri="{FF2B5EF4-FFF2-40B4-BE49-F238E27FC236}">
+                <a16:creationId xmlns:a16="http://schemas.microsoft.com/office/drawing/2014/main" id="{87048029-005A-433C-B90F-2817F6D0D701}"/>
+              </a:ext>
+            </a:extLst>
+          </p:cNvPr>
+          <p:cNvSpPr>
+            <a:spLocks noGrp="1"/>
+          </p:cNvSpPr>
+          <p:nvPr>
+            <p:ph idx="1"/>
+          </p:nvPr>
+        </p:nvSpPr>
+        <p:spPr/>
+        <p:txBody>
+          <a:bodyPr/>
+          <a:lstStyle/>
+          <a:p>
+            <a:endParaRPr lang="de-CH"/>
+          </a:p>
+        </p:txBody>
+      </p:sp>
+    </p:spTree>
+    <p:extLst>
+      <p:ext uri="{BB962C8B-B14F-4D97-AF65-F5344CB8AC3E}">
+        <p14:creationId xmlns:p14="http://schemas.microsoft.com/office/powerpoint/2010/main" val="799084088"/>
       </p:ext>
     </p:extLst>
   </p:cSld>

--- a/MA Präsentation.pptx
+++ b/MA Präsentation.pptx
@@ -5,20 +5,26 @@
     <p:sldMasterId id="2147483648" r:id="rId1"/>
   </p:sldMasterIdLst>
   <p:notesMasterIdLst>
-    <p:notesMasterId r:id="rId10"/>
+    <p:notesMasterId r:id="rId16"/>
   </p:notesMasterIdLst>
   <p:handoutMasterIdLst>
-    <p:handoutMasterId r:id="rId11"/>
+    <p:handoutMasterId r:id="rId17"/>
   </p:handoutMasterIdLst>
   <p:sldIdLst>
     <p:sldId id="256" r:id="rId2"/>
     <p:sldId id="257" r:id="rId3"/>
-    <p:sldId id="258" r:id="rId4"/>
-    <p:sldId id="259" r:id="rId5"/>
-    <p:sldId id="260" r:id="rId6"/>
-    <p:sldId id="261" r:id="rId7"/>
-    <p:sldId id="262" r:id="rId8"/>
-    <p:sldId id="263" r:id="rId9"/>
+    <p:sldId id="264" r:id="rId4"/>
+    <p:sldId id="269" r:id="rId5"/>
+    <p:sldId id="258" r:id="rId6"/>
+    <p:sldId id="259" r:id="rId7"/>
+    <p:sldId id="260" r:id="rId8"/>
+    <p:sldId id="261" r:id="rId9"/>
+    <p:sldId id="262" r:id="rId10"/>
+    <p:sldId id="263" r:id="rId11"/>
+    <p:sldId id="268" r:id="rId12"/>
+    <p:sldId id="265" r:id="rId13"/>
+    <p:sldId id="266" r:id="rId14"/>
+    <p:sldId id="267" r:id="rId15"/>
   </p:sldIdLst>
   <p:sldSz cx="12192000" cy="6858000"/>
   <p:notesSz cx="6858000" cy="9144000"/>
@@ -222,7 +228,7 @@
           <a:p>
             <a:fld id="{1DC80789-F207-4667-8DCB-D914362593A8}" type="datetimeFigureOut">
               <a:rPr lang="de-CH" smtClean="0"/>
-              <a:t>16.12.2018</a:t>
+              <a:t>17.12.2018</a:t>
             </a:fld>
             <a:endParaRPr lang="de-CH"/>
           </a:p>
@@ -400,7 +406,7 @@
           <a:p>
             <a:fld id="{B77286E3-B513-40DF-95CB-3E0E191B344C}" type="datetimeFigureOut">
               <a:rPr lang="de-CH" smtClean="0"/>
-              <a:t>16.12.2018</a:t>
+              <a:t>17.12.2018</a:t>
             </a:fld>
             <a:endParaRPr lang="de-CH"/>
           </a:p>
@@ -739,7 +745,7 @@
           <a:p>
             <a:fld id="{F80A4B25-47AB-4DB9-A488-2E95469656BF}" type="slidenum">
               <a:rPr lang="de-CH" smtClean="0"/>
-              <a:t>3</a:t>
+              <a:t>5</a:t>
             </a:fld>
             <a:endParaRPr lang="de-CH"/>
           </a:p>
@@ -749,6 +755,90 @@
     <p:extLst>
       <p:ext uri="{BB962C8B-B14F-4D97-AF65-F5344CB8AC3E}">
         <p14:creationId xmlns:p14="http://schemas.microsoft.com/office/powerpoint/2010/main" val="3193697761"/>
+      </p:ext>
+    </p:extLst>
+  </p:cSld>
+  <p:clrMapOvr>
+    <a:masterClrMapping/>
+  </p:clrMapOvr>
+</p:notes>
+</file>
+
+<file path=ppt/notesSlides/notesSlide2.xml><?xml version="1.0" encoding="utf-8"?>
+<p:notes xmlns:a="http://schemas.openxmlformats.org/drawingml/2006/main" xmlns:r="http://schemas.openxmlformats.org/officeDocument/2006/relationships" xmlns:p="http://schemas.openxmlformats.org/presentationml/2006/main">
+  <p:cSld>
+    <p:spTree>
+      <p:nvGrpSpPr>
+        <p:cNvPr id="1" name=""/>
+        <p:cNvGrpSpPr/>
+        <p:nvPr/>
+      </p:nvGrpSpPr>
+      <p:grpSpPr>
+        <a:xfrm>
+          <a:off x="0" y="0"/>
+          <a:ext cx="0" cy="0"/>
+          <a:chOff x="0" y="0"/>
+          <a:chExt cx="0" cy="0"/>
+        </a:xfrm>
+      </p:grpSpPr>
+      <p:sp>
+        <p:nvSpPr>
+          <p:cNvPr id="2" name="Folienbildplatzhalter 1"/>
+          <p:cNvSpPr>
+            <a:spLocks noGrp="1" noRot="1" noChangeAspect="1"/>
+          </p:cNvSpPr>
+          <p:nvPr>
+            <p:ph type="sldImg"/>
+          </p:nvPr>
+        </p:nvSpPr>
+        <p:spPr/>
+      </p:sp>
+      <p:sp>
+        <p:nvSpPr>
+          <p:cNvPr id="3" name="Notizenplatzhalter 2"/>
+          <p:cNvSpPr>
+            <a:spLocks noGrp="1"/>
+          </p:cNvSpPr>
+          <p:nvPr>
+            <p:ph type="body" idx="1"/>
+          </p:nvPr>
+        </p:nvSpPr>
+        <p:spPr/>
+        <p:txBody>
+          <a:bodyPr/>
+          <a:lstStyle/>
+          <a:p>
+            <a:endParaRPr lang="de-CH" dirty="0"/>
+          </a:p>
+        </p:txBody>
+      </p:sp>
+      <p:sp>
+        <p:nvSpPr>
+          <p:cNvPr id="4" name="Foliennummernplatzhalter 3"/>
+          <p:cNvSpPr>
+            <a:spLocks noGrp="1"/>
+          </p:cNvSpPr>
+          <p:nvPr>
+            <p:ph type="sldNum" sz="quarter" idx="10"/>
+          </p:nvPr>
+        </p:nvSpPr>
+        <p:spPr/>
+        <p:txBody>
+          <a:bodyPr/>
+          <a:lstStyle/>
+          <a:p>
+            <a:fld id="{F80A4B25-47AB-4DB9-A488-2E95469656BF}" type="slidenum">
+              <a:rPr lang="de-CH" smtClean="0"/>
+              <a:t>6</a:t>
+            </a:fld>
+            <a:endParaRPr lang="de-CH"/>
+          </a:p>
+        </p:txBody>
+      </p:sp>
+    </p:spTree>
+    <p:extLst>
+      <p:ext uri="{BB962C8B-B14F-4D97-AF65-F5344CB8AC3E}">
+        <p14:creationId xmlns:p14="http://schemas.microsoft.com/office/powerpoint/2010/main" val="1766369179"/>
       </p:ext>
     </p:extLst>
   </p:cSld>
@@ -907,7 +997,7 @@
           <a:p>
             <a:fld id="{F1182E14-735E-48F1-A919-7AFF9C862B67}" type="datetime1">
               <a:rPr lang="de-CH" smtClean="0"/>
-              <a:t>16.12.2018</a:t>
+              <a:t>17.12.2018</a:t>
             </a:fld>
             <a:endParaRPr lang="de-CH"/>
           </a:p>
@@ -1107,7 +1197,7 @@
           <a:p>
             <a:fld id="{D3E60ECD-07CD-4D20-A7A1-5AA31C581DEB}" type="datetime1">
               <a:rPr lang="de-CH" smtClean="0"/>
-              <a:t>16.12.2018</a:t>
+              <a:t>17.12.2018</a:t>
             </a:fld>
             <a:endParaRPr lang="de-CH"/>
           </a:p>
@@ -1317,7 +1407,7 @@
           <a:p>
             <a:fld id="{23FDDD40-B075-49D9-A736-DE156356877C}" type="datetime1">
               <a:rPr lang="de-CH" smtClean="0"/>
-              <a:t>16.12.2018</a:t>
+              <a:t>17.12.2018</a:t>
             </a:fld>
             <a:endParaRPr lang="de-CH"/>
           </a:p>
@@ -1517,7 +1607,7 @@
           <a:p>
             <a:fld id="{82160C3E-C4D7-4D9E-8536-B8BC05F83BA5}" type="datetime1">
               <a:rPr lang="de-CH" smtClean="0"/>
-              <a:t>16.12.2018</a:t>
+              <a:t>17.12.2018</a:t>
             </a:fld>
             <a:endParaRPr lang="de-CH"/>
           </a:p>
@@ -1793,7 +1883,7 @@
           <a:p>
             <a:fld id="{6C84B038-D888-4D07-BCC5-2C608AAD1DD1}" type="datetime1">
               <a:rPr lang="de-CH" smtClean="0"/>
-              <a:t>16.12.2018</a:t>
+              <a:t>17.12.2018</a:t>
             </a:fld>
             <a:endParaRPr lang="de-CH"/>
           </a:p>
@@ -2061,7 +2151,7 @@
           <a:p>
             <a:fld id="{6FA05B1E-FD82-48B7-A74E-F312BFA01A4B}" type="datetime1">
               <a:rPr lang="de-CH" smtClean="0"/>
-              <a:t>16.12.2018</a:t>
+              <a:t>17.12.2018</a:t>
             </a:fld>
             <a:endParaRPr lang="de-CH"/>
           </a:p>
@@ -2476,7 +2566,7 @@
           <a:p>
             <a:fld id="{138EDF2C-3D4A-4BEB-8220-ECB088F2DDA0}" type="datetime1">
               <a:rPr lang="de-CH" smtClean="0"/>
-              <a:t>16.12.2018</a:t>
+              <a:t>17.12.2018</a:t>
             </a:fld>
             <a:endParaRPr lang="de-CH"/>
           </a:p>
@@ -2618,7 +2708,7 @@
           <a:p>
             <a:fld id="{55E3FAE9-1495-46C4-A72F-B979A1B9597B}" type="datetime1">
               <a:rPr lang="de-CH" smtClean="0"/>
-              <a:t>16.12.2018</a:t>
+              <a:t>17.12.2018</a:t>
             </a:fld>
             <a:endParaRPr lang="de-CH"/>
           </a:p>
@@ -2731,7 +2821,7 @@
           <a:p>
             <a:fld id="{7617ACA2-89B9-4354-B0A7-718B0FE73987}" type="datetime1">
               <a:rPr lang="de-CH" smtClean="0"/>
-              <a:t>16.12.2018</a:t>
+              <a:t>17.12.2018</a:t>
             </a:fld>
             <a:endParaRPr lang="de-CH"/>
           </a:p>
@@ -3044,7 +3134,7 @@
           <a:p>
             <a:fld id="{1990C28A-A19C-456E-82BD-1BCB741325D2}" type="datetime1">
               <a:rPr lang="de-CH" smtClean="0"/>
-              <a:t>16.12.2018</a:t>
+              <a:t>17.12.2018</a:t>
             </a:fld>
             <a:endParaRPr lang="de-CH"/>
           </a:p>
@@ -3333,7 +3423,7 @@
           <a:p>
             <a:fld id="{FE3A38B6-23E8-4142-AD57-70BB2D2828B0}" type="datetime1">
               <a:rPr lang="de-CH" smtClean="0"/>
-              <a:t>16.12.2018</a:t>
+              <a:t>17.12.2018</a:t>
             </a:fld>
             <a:endParaRPr lang="de-CH"/>
           </a:p>
@@ -3576,7 +3666,7 @@
           <a:p>
             <a:fld id="{0878890E-7C11-4180-9C7E-052ACF332AB7}" type="datetime1">
               <a:rPr lang="de-CH" smtClean="0"/>
-              <a:t>16.12.2018</a:t>
+              <a:t>17.12.2018</a:t>
             </a:fld>
             <a:endParaRPr lang="de-CH"/>
           </a:p>
@@ -4062,6 +4152,417 @@
 </p:sld>
 </file>
 
+<file path=ppt/slides/slide10.xml><?xml version="1.0" encoding="utf-8"?>
+<p:sld xmlns:a="http://schemas.openxmlformats.org/drawingml/2006/main" xmlns:r="http://schemas.openxmlformats.org/officeDocument/2006/relationships" xmlns:p="http://schemas.openxmlformats.org/presentationml/2006/main">
+  <p:cSld>
+    <p:spTree>
+      <p:nvGrpSpPr>
+        <p:cNvPr id="1" name=""/>
+        <p:cNvGrpSpPr/>
+        <p:nvPr/>
+      </p:nvGrpSpPr>
+      <p:grpSpPr>
+        <a:xfrm>
+          <a:off x="0" y="0"/>
+          <a:ext cx="0" cy="0"/>
+          <a:chOff x="0" y="0"/>
+          <a:chExt cx="0" cy="0"/>
+        </a:xfrm>
+      </p:grpSpPr>
+      <p:sp>
+        <p:nvSpPr>
+          <p:cNvPr id="2" name="Titel 1">
+            <a:extLst>
+              <a:ext uri="{FF2B5EF4-FFF2-40B4-BE49-F238E27FC236}">
+                <a16:creationId xmlns:a16="http://schemas.microsoft.com/office/drawing/2014/main" id="{2BF3529B-010B-4F70-9371-58733E14E874}"/>
+              </a:ext>
+            </a:extLst>
+          </p:cNvPr>
+          <p:cNvSpPr>
+            <a:spLocks noGrp="1"/>
+          </p:cNvSpPr>
+          <p:nvPr>
+            <p:ph type="title"/>
+          </p:nvPr>
+        </p:nvSpPr>
+        <p:spPr>
+          <a:xfrm>
+            <a:off x="838200" y="365125"/>
+            <a:ext cx="10515600" cy="1325563"/>
+          </a:xfrm>
+        </p:spPr>
+        <p:txBody>
+          <a:bodyPr/>
+          <a:lstStyle/>
+          <a:p>
+            <a:r>
+              <a:rPr lang="de-CH" dirty="0"/>
+              <a:t>Ende</a:t>
+            </a:r>
+          </a:p>
+        </p:txBody>
+      </p:sp>
+      <p:sp>
+        <p:nvSpPr>
+          <p:cNvPr id="6" name="Inhaltsplatzhalter 5">
+            <a:extLst>
+              <a:ext uri="{FF2B5EF4-FFF2-40B4-BE49-F238E27FC236}">
+                <a16:creationId xmlns:a16="http://schemas.microsoft.com/office/drawing/2014/main" id="{0BF567DA-FA9D-4571-AC83-D01D64775CA9}"/>
+              </a:ext>
+            </a:extLst>
+          </p:cNvPr>
+          <p:cNvSpPr>
+            <a:spLocks noGrp="1"/>
+          </p:cNvSpPr>
+          <p:nvPr>
+            <p:ph idx="1"/>
+          </p:nvPr>
+        </p:nvSpPr>
+        <p:spPr/>
+        <p:txBody>
+          <a:bodyPr/>
+          <a:lstStyle/>
+          <a:p>
+            <a:endParaRPr lang="de-CH"/>
+          </a:p>
+        </p:txBody>
+      </p:sp>
+    </p:spTree>
+    <p:extLst>
+      <p:ext uri="{BB962C8B-B14F-4D97-AF65-F5344CB8AC3E}">
+        <p14:creationId xmlns:p14="http://schemas.microsoft.com/office/powerpoint/2010/main" val="799084088"/>
+      </p:ext>
+    </p:extLst>
+  </p:cSld>
+  <p:clrMapOvr>
+    <a:masterClrMapping/>
+  </p:clrMapOvr>
+</p:sld>
+</file>
+
+<file path=ppt/slides/slide11.xml><?xml version="1.0" encoding="utf-8"?>
+<p:sld xmlns:a="http://schemas.openxmlformats.org/drawingml/2006/main" xmlns:r="http://schemas.openxmlformats.org/officeDocument/2006/relationships" xmlns:p="http://schemas.openxmlformats.org/presentationml/2006/main">
+  <p:cSld>
+    <p:spTree>
+      <p:nvGrpSpPr>
+        <p:cNvPr id="1" name=""/>
+        <p:cNvGrpSpPr/>
+        <p:nvPr/>
+      </p:nvGrpSpPr>
+      <p:grpSpPr>
+        <a:xfrm>
+          <a:off x="0" y="0"/>
+          <a:ext cx="0" cy="0"/>
+          <a:chOff x="0" y="0"/>
+          <a:chExt cx="0" cy="0"/>
+        </a:xfrm>
+      </p:grpSpPr>
+      <p:sp>
+        <p:nvSpPr>
+          <p:cNvPr id="2" name="Titel 1">
+            <a:extLst>
+              <a:ext uri="{FF2B5EF4-FFF2-40B4-BE49-F238E27FC236}">
+                <a16:creationId xmlns:a16="http://schemas.microsoft.com/office/drawing/2014/main" id="{14317F80-D2EE-4657-B37B-A2AAD25121BB}"/>
+              </a:ext>
+            </a:extLst>
+          </p:cNvPr>
+          <p:cNvSpPr>
+            <a:spLocks noGrp="1"/>
+          </p:cNvSpPr>
+          <p:nvPr>
+            <p:ph type="title"/>
+          </p:nvPr>
+        </p:nvSpPr>
+        <p:spPr/>
+        <p:txBody>
+          <a:bodyPr/>
+          <a:lstStyle/>
+          <a:p>
+            <a:endParaRPr lang="de-CH"/>
+          </a:p>
+        </p:txBody>
+      </p:sp>
+      <p:sp>
+        <p:nvSpPr>
+          <p:cNvPr id="3" name="Inhaltsplatzhalter 2">
+            <a:extLst>
+              <a:ext uri="{FF2B5EF4-FFF2-40B4-BE49-F238E27FC236}">
+                <a16:creationId xmlns:a16="http://schemas.microsoft.com/office/drawing/2014/main" id="{BCDFFF3F-1A49-4775-B015-2F34BFE477E6}"/>
+              </a:ext>
+            </a:extLst>
+          </p:cNvPr>
+          <p:cNvSpPr>
+            <a:spLocks noGrp="1"/>
+          </p:cNvSpPr>
+          <p:nvPr>
+            <p:ph idx="1"/>
+          </p:nvPr>
+        </p:nvSpPr>
+        <p:spPr/>
+        <p:txBody>
+          <a:bodyPr/>
+          <a:lstStyle/>
+          <a:p>
+            <a:endParaRPr lang="de-CH"/>
+          </a:p>
+        </p:txBody>
+      </p:sp>
+    </p:spTree>
+    <p:extLst>
+      <p:ext uri="{BB962C8B-B14F-4D97-AF65-F5344CB8AC3E}">
+        <p14:creationId xmlns:p14="http://schemas.microsoft.com/office/powerpoint/2010/main" val="4129420572"/>
+      </p:ext>
+    </p:extLst>
+  </p:cSld>
+  <p:clrMapOvr>
+    <a:masterClrMapping/>
+  </p:clrMapOvr>
+</p:sld>
+</file>
+
+<file path=ppt/slides/slide12.xml><?xml version="1.0" encoding="utf-8"?>
+<p:sld xmlns:a="http://schemas.openxmlformats.org/drawingml/2006/main" xmlns:r="http://schemas.openxmlformats.org/officeDocument/2006/relationships" xmlns:p="http://schemas.openxmlformats.org/presentationml/2006/main">
+  <p:cSld>
+    <p:spTree>
+      <p:nvGrpSpPr>
+        <p:cNvPr id="1" name=""/>
+        <p:cNvGrpSpPr/>
+        <p:nvPr/>
+      </p:nvGrpSpPr>
+      <p:grpSpPr>
+        <a:xfrm>
+          <a:off x="0" y="0"/>
+          <a:ext cx="0" cy="0"/>
+          <a:chOff x="0" y="0"/>
+          <a:chExt cx="0" cy="0"/>
+        </a:xfrm>
+      </p:grpSpPr>
+      <p:sp>
+        <p:nvSpPr>
+          <p:cNvPr id="7" name="Titel 6">
+            <a:extLst>
+              <a:ext uri="{FF2B5EF4-FFF2-40B4-BE49-F238E27FC236}">
+                <a16:creationId xmlns:a16="http://schemas.microsoft.com/office/drawing/2014/main" id="{551C4E60-A440-4E24-A339-F53A33E33E2B}"/>
+              </a:ext>
+            </a:extLst>
+          </p:cNvPr>
+          <p:cNvSpPr>
+            <a:spLocks noGrp="1"/>
+          </p:cNvSpPr>
+          <p:nvPr>
+            <p:ph type="title"/>
+          </p:nvPr>
+        </p:nvSpPr>
+        <p:spPr/>
+        <p:txBody>
+          <a:bodyPr/>
+          <a:lstStyle/>
+          <a:p>
+            <a:endParaRPr lang="de-CH" dirty="0"/>
+          </a:p>
+        </p:txBody>
+      </p:sp>
+      <p:pic>
+        <p:nvPicPr>
+          <p:cNvPr id="10" name="Inhaltsplatzhalter 9">
+            <a:extLst>
+              <a:ext uri="{FF2B5EF4-FFF2-40B4-BE49-F238E27FC236}">
+                <a16:creationId xmlns:a16="http://schemas.microsoft.com/office/drawing/2014/main" id="{4EB59A21-CD00-4729-B55B-8EB40FBE453B}"/>
+              </a:ext>
+            </a:extLst>
+          </p:cNvPr>
+          <p:cNvPicPr>
+            <a:picLocks noGrp="1" noChangeAspect="1"/>
+          </p:cNvPicPr>
+          <p:nvPr>
+            <p:ph sz="half" idx="1"/>
+          </p:nvPr>
+        </p:nvPicPr>
+        <p:blipFill>
+          <a:blip r:embed="rId2"/>
+          <a:stretch>
+            <a:fillRect/>
+          </a:stretch>
+        </p:blipFill>
+        <p:spPr>
+          <a:xfrm>
+            <a:off x="882286" y="1825625"/>
+            <a:ext cx="5093427" cy="4351338"/>
+          </a:xfrm>
+          <a:prstGeom prst="rect">
+            <a:avLst/>
+          </a:prstGeom>
+        </p:spPr>
+      </p:pic>
+      <p:pic>
+        <p:nvPicPr>
+          <p:cNvPr id="14" name="Inhaltsplatzhalter 13">
+            <a:extLst>
+              <a:ext uri="{FF2B5EF4-FFF2-40B4-BE49-F238E27FC236}">
+                <a16:creationId xmlns:a16="http://schemas.microsoft.com/office/drawing/2014/main" id="{41D38D31-C623-4430-AE2C-C1ACDD6596EC}"/>
+              </a:ext>
+            </a:extLst>
+          </p:cNvPr>
+          <p:cNvPicPr>
+            <a:picLocks noGrp="1" noChangeAspect="1"/>
+          </p:cNvPicPr>
+          <p:nvPr>
+            <p:ph sz="half" idx="2"/>
+          </p:nvPr>
+        </p:nvPicPr>
+        <p:blipFill>
+          <a:blip r:embed="rId3"/>
+          <a:stretch>
+            <a:fillRect/>
+          </a:stretch>
+        </p:blipFill>
+        <p:spPr>
+          <a:xfrm>
+            <a:off x="6172200" y="1825625"/>
+            <a:ext cx="5181600" cy="3900397"/>
+          </a:xfrm>
+          <a:prstGeom prst="rect">
+            <a:avLst/>
+          </a:prstGeom>
+        </p:spPr>
+      </p:pic>
+    </p:spTree>
+    <p:extLst>
+      <p:ext uri="{BB962C8B-B14F-4D97-AF65-F5344CB8AC3E}">
+        <p14:creationId xmlns:p14="http://schemas.microsoft.com/office/powerpoint/2010/main" val="939644564"/>
+      </p:ext>
+    </p:extLst>
+  </p:cSld>
+  <p:clrMapOvr>
+    <a:masterClrMapping/>
+  </p:clrMapOvr>
+</p:sld>
+</file>
+
+<file path=ppt/slides/slide13.xml><?xml version="1.0" encoding="utf-8"?>
+<p:sld xmlns:a="http://schemas.openxmlformats.org/drawingml/2006/main" xmlns:r="http://schemas.openxmlformats.org/officeDocument/2006/relationships" xmlns:p="http://schemas.openxmlformats.org/presentationml/2006/main">
+  <p:cSld>
+    <p:spTree>
+      <p:nvGrpSpPr>
+        <p:cNvPr id="1" name=""/>
+        <p:cNvGrpSpPr/>
+        <p:nvPr/>
+      </p:nvGrpSpPr>
+      <p:grpSpPr>
+        <a:xfrm>
+          <a:off x="0" y="0"/>
+          <a:ext cx="0" cy="0"/>
+          <a:chOff x="0" y="0"/>
+          <a:chExt cx="0" cy="0"/>
+        </a:xfrm>
+      </p:grpSpPr>
+      <p:pic>
+        <p:nvPicPr>
+          <p:cNvPr id="5" name="Inhaltsplatzhalter 4">
+            <a:extLst>
+              <a:ext uri="{FF2B5EF4-FFF2-40B4-BE49-F238E27FC236}">
+                <a16:creationId xmlns:a16="http://schemas.microsoft.com/office/drawing/2014/main" id="{769033E2-0F2B-4E46-B02A-1DBE6A407914}"/>
+              </a:ext>
+            </a:extLst>
+          </p:cNvPr>
+          <p:cNvPicPr>
+            <a:picLocks noGrp="1" noChangeAspect="1"/>
+          </p:cNvPicPr>
+          <p:nvPr>
+            <p:ph idx="1"/>
+          </p:nvPr>
+        </p:nvPicPr>
+        <p:blipFill>
+          <a:blip r:embed="rId2"/>
+          <a:stretch>
+            <a:fillRect/>
+          </a:stretch>
+        </p:blipFill>
+        <p:spPr>
+          <a:xfrm rot="5400000">
+            <a:off x="3078090" y="-1828800"/>
+            <a:ext cx="6035821" cy="10515600"/>
+          </a:xfrm>
+          <a:prstGeom prst="rect">
+            <a:avLst/>
+          </a:prstGeom>
+        </p:spPr>
+      </p:pic>
+    </p:spTree>
+    <p:extLst>
+      <p:ext uri="{BB962C8B-B14F-4D97-AF65-F5344CB8AC3E}">
+        <p14:creationId xmlns:p14="http://schemas.microsoft.com/office/powerpoint/2010/main" val="4040346284"/>
+      </p:ext>
+    </p:extLst>
+  </p:cSld>
+  <p:clrMapOvr>
+    <a:masterClrMapping/>
+  </p:clrMapOvr>
+</p:sld>
+</file>
+
+<file path=ppt/slides/slide14.xml><?xml version="1.0" encoding="utf-8"?>
+<p:sld xmlns:a="http://schemas.openxmlformats.org/drawingml/2006/main" xmlns:r="http://schemas.openxmlformats.org/officeDocument/2006/relationships" xmlns:p="http://schemas.openxmlformats.org/presentationml/2006/main">
+  <p:cSld>
+    <p:spTree>
+      <p:nvGrpSpPr>
+        <p:cNvPr id="1" name=""/>
+        <p:cNvGrpSpPr/>
+        <p:nvPr/>
+      </p:nvGrpSpPr>
+      <p:grpSpPr>
+        <a:xfrm>
+          <a:off x="0" y="0"/>
+          <a:ext cx="0" cy="0"/>
+          <a:chOff x="0" y="0"/>
+          <a:chExt cx="0" cy="0"/>
+        </a:xfrm>
+      </p:grpSpPr>
+      <p:pic>
+        <p:nvPicPr>
+          <p:cNvPr id="4" name="Inhaltsplatzhalter 3">
+            <a:extLst>
+              <a:ext uri="{FF2B5EF4-FFF2-40B4-BE49-F238E27FC236}">
+                <a16:creationId xmlns:a16="http://schemas.microsoft.com/office/drawing/2014/main" id="{1C4615A0-D5BF-498D-9646-5A80C0A6C356}"/>
+              </a:ext>
+            </a:extLst>
+          </p:cNvPr>
+          <p:cNvPicPr>
+            <a:picLocks noGrp="1" noChangeAspect="1"/>
+          </p:cNvPicPr>
+          <p:nvPr>
+            <p:ph idx="1"/>
+          </p:nvPr>
+        </p:nvPicPr>
+        <p:blipFill>
+          <a:blip r:embed="rId2"/>
+          <a:stretch>
+            <a:fillRect/>
+          </a:stretch>
+        </p:blipFill>
+        <p:spPr>
+          <a:xfrm rot="5400000">
+            <a:off x="3216460" y="-1828800"/>
+            <a:ext cx="5759080" cy="10515600"/>
+          </a:xfrm>
+          <a:prstGeom prst="rect">
+            <a:avLst/>
+          </a:prstGeom>
+        </p:spPr>
+      </p:pic>
+    </p:spTree>
+    <p:extLst>
+      <p:ext uri="{BB962C8B-B14F-4D97-AF65-F5344CB8AC3E}">
+        <p14:creationId xmlns:p14="http://schemas.microsoft.com/office/powerpoint/2010/main" val="3378152353"/>
+      </p:ext>
+    </p:extLst>
+  </p:cSld>
+  <p:clrMapOvr>
+    <a:masterClrMapping/>
+  </p:clrMapOvr>
+</p:sld>
+</file>
+
 <file path=ppt/slides/slide2.xml><?xml version="1.0" encoding="utf-8"?>
 <p:sld xmlns:a="http://schemas.openxmlformats.org/drawingml/2006/main" xmlns:r="http://schemas.openxmlformats.org/officeDocument/2006/relationships" xmlns:p="http://schemas.openxmlformats.org/presentationml/2006/main">
   <p:cSld>
@@ -4130,6 +4631,12 @@
           <a:p>
             <a:r>
               <a:rPr lang="de-CH" dirty="0"/>
+              <a:t>Maturaarbeit</a:t>
+            </a:r>
+          </a:p>
+          <a:p>
+            <a:r>
+              <a:rPr lang="de-CH" dirty="0"/>
               <a:t>Theorie</a:t>
             </a:r>
           </a:p>
@@ -4163,7 +4670,7 @@
           <a:p>
             <a:r>
               <a:rPr lang="de-CH" dirty="0"/>
-              <a:t>Programm Demo</a:t>
+              <a:t>Demonstration</a:t>
             </a:r>
           </a:p>
           <a:p>
@@ -4203,6 +4710,167 @@
       </p:grpSpPr>
       <p:sp>
         <p:nvSpPr>
+          <p:cNvPr id="2" name="Titel 1">
+            <a:extLst>
+              <a:ext uri="{FF2B5EF4-FFF2-40B4-BE49-F238E27FC236}">
+                <a16:creationId xmlns:a16="http://schemas.microsoft.com/office/drawing/2014/main" id="{81219D6E-D4B1-44A8-8F80-27BB39489117}"/>
+              </a:ext>
+            </a:extLst>
+          </p:cNvPr>
+          <p:cNvSpPr>
+            <a:spLocks noGrp="1"/>
+          </p:cNvSpPr>
+          <p:nvPr>
+            <p:ph type="title"/>
+          </p:nvPr>
+        </p:nvSpPr>
+        <p:spPr/>
+        <p:txBody>
+          <a:bodyPr/>
+          <a:lstStyle/>
+          <a:p>
+            <a:r>
+              <a:rPr lang="de-CH" dirty="0"/>
+              <a:t>Maturaarbeit</a:t>
+            </a:r>
+          </a:p>
+        </p:txBody>
+      </p:sp>
+      <p:sp>
+        <p:nvSpPr>
+          <p:cNvPr id="3" name="Inhaltsplatzhalter 2">
+            <a:extLst>
+              <a:ext uri="{FF2B5EF4-FFF2-40B4-BE49-F238E27FC236}">
+                <a16:creationId xmlns:a16="http://schemas.microsoft.com/office/drawing/2014/main" id="{24A2B896-EF37-4E9A-9044-A9762C770119}"/>
+              </a:ext>
+            </a:extLst>
+          </p:cNvPr>
+          <p:cNvSpPr>
+            <a:spLocks noGrp="1"/>
+          </p:cNvSpPr>
+          <p:nvPr>
+            <p:ph idx="1"/>
+          </p:nvPr>
+        </p:nvSpPr>
+        <p:spPr/>
+        <p:txBody>
+          <a:bodyPr/>
+          <a:lstStyle/>
+          <a:p>
+            <a:r>
+              <a:rPr lang="de-CH" dirty="0"/>
+              <a:t>Programmieren eines </a:t>
+            </a:r>
+            <a:r>
+              <a:rPr lang="de-CH" dirty="0" err="1"/>
+              <a:t>Tichuspiels</a:t>
+            </a:r>
+            <a:r>
+              <a:rPr lang="de-CH" dirty="0"/>
+              <a:t> für mehrere Geräte</a:t>
+            </a:r>
+          </a:p>
+          <a:p>
+            <a:r>
+              <a:rPr lang="de-CH" dirty="0"/>
+              <a:t>Theorie zu Kommunikation zwischen Geräten und Ereignisgesteuerten Programmen</a:t>
+            </a:r>
+          </a:p>
+          <a:p>
+            <a:endParaRPr lang="de-CH" dirty="0"/>
+          </a:p>
+        </p:txBody>
+      </p:sp>
+    </p:spTree>
+    <p:extLst>
+      <p:ext uri="{BB962C8B-B14F-4D97-AF65-F5344CB8AC3E}">
+        <p14:creationId xmlns:p14="http://schemas.microsoft.com/office/powerpoint/2010/main" val="1339013612"/>
+      </p:ext>
+    </p:extLst>
+  </p:cSld>
+  <p:clrMapOvr>
+    <a:masterClrMapping/>
+  </p:clrMapOvr>
+</p:sld>
+</file>
+
+<file path=ppt/slides/slide4.xml><?xml version="1.0" encoding="utf-8"?>
+<p:sld xmlns:a="http://schemas.openxmlformats.org/drawingml/2006/main" xmlns:r="http://schemas.openxmlformats.org/officeDocument/2006/relationships" xmlns:p="http://schemas.openxmlformats.org/presentationml/2006/main">
+  <p:cSld>
+    <p:spTree>
+      <p:nvGrpSpPr>
+        <p:cNvPr id="1" name=""/>
+        <p:cNvGrpSpPr/>
+        <p:nvPr/>
+      </p:nvGrpSpPr>
+      <p:grpSpPr>
+        <a:xfrm>
+          <a:off x="0" y="0"/>
+          <a:ext cx="0" cy="0"/>
+          <a:chOff x="0" y="0"/>
+          <a:chExt cx="0" cy="0"/>
+        </a:xfrm>
+      </p:grpSpPr>
+      <p:sp>
+        <p:nvSpPr>
+          <p:cNvPr id="2" name="Titel 1">
+            <a:extLst>
+              <a:ext uri="{FF2B5EF4-FFF2-40B4-BE49-F238E27FC236}">
+                <a16:creationId xmlns:a16="http://schemas.microsoft.com/office/drawing/2014/main" id="{BD14F468-BC1B-4F8F-AD1D-F0CE023A009D}"/>
+              </a:ext>
+            </a:extLst>
+          </p:cNvPr>
+          <p:cNvSpPr>
+            <a:spLocks noGrp="1"/>
+          </p:cNvSpPr>
+          <p:nvPr>
+            <p:ph type="title"/>
+          </p:nvPr>
+        </p:nvSpPr>
+        <p:spPr/>
+        <p:txBody>
+          <a:bodyPr/>
+          <a:lstStyle/>
+          <a:p>
+            <a:r>
+              <a:rPr lang="de-CH" dirty="0"/>
+              <a:t>Theorie</a:t>
+            </a:r>
+          </a:p>
+        </p:txBody>
+      </p:sp>
+    </p:spTree>
+    <p:extLst>
+      <p:ext uri="{BB962C8B-B14F-4D97-AF65-F5344CB8AC3E}">
+        <p14:creationId xmlns:p14="http://schemas.microsoft.com/office/powerpoint/2010/main" val="826879564"/>
+      </p:ext>
+    </p:extLst>
+  </p:cSld>
+  <p:clrMapOvr>
+    <a:masterClrMapping/>
+  </p:clrMapOvr>
+</p:sld>
+</file>
+
+<file path=ppt/slides/slide5.xml><?xml version="1.0" encoding="utf-8"?>
+<p:sld xmlns:a="http://schemas.openxmlformats.org/drawingml/2006/main" xmlns:r="http://schemas.openxmlformats.org/officeDocument/2006/relationships" xmlns:p="http://schemas.openxmlformats.org/presentationml/2006/main">
+  <p:cSld>
+    <p:spTree>
+      <p:nvGrpSpPr>
+        <p:cNvPr id="1" name=""/>
+        <p:cNvGrpSpPr/>
+        <p:nvPr/>
+      </p:nvGrpSpPr>
+      <p:grpSpPr>
+        <a:xfrm>
+          <a:off x="0" y="0"/>
+          <a:ext cx="0" cy="0"/>
+          <a:chOff x="0" y="0"/>
+          <a:chExt cx="0" cy="0"/>
+        </a:xfrm>
+      </p:grpSpPr>
+      <p:sp>
+        <p:nvSpPr>
           <p:cNvPr id="25" name="Titel 24">
             <a:extLst>
               <a:ext uri="{FF2B5EF4-FFF2-40B4-BE49-F238E27FC236}">
@@ -4217,15 +4885,21 @@
             <p:ph type="title"/>
           </p:nvPr>
         </p:nvSpPr>
-        <p:spPr/>
-        <p:txBody>
-          <a:bodyPr/>
-          <a:lstStyle/>
-          <a:p>
-            <a:r>
-              <a:rPr lang="de-CH" dirty="0"/>
+        <p:spPr>
+          <a:xfrm>
+            <a:off x="838200" y="365125"/>
+            <a:ext cx="10515600" cy="1325563"/>
+          </a:xfrm>
+        </p:spPr>
+        <p:txBody>
+          <a:bodyPr/>
+          <a:lstStyle/>
+          <a:p>
+            <a:r>
+              <a:rPr lang="de-CH"/>
               <a:t>TCP/IP</a:t>
             </a:r>
+            <a:endParaRPr lang="de-CH" dirty="0"/>
           </a:p>
         </p:txBody>
       </p:sp>
@@ -4245,31 +4919,36 @@
             <p:ph idx="1"/>
           </p:nvPr>
         </p:nvSpPr>
-        <p:spPr/>
-        <p:txBody>
-          <a:bodyPr/>
-          <a:lstStyle/>
-          <a:p>
-            <a:r>
-              <a:rPr lang="de-CH" dirty="0"/>
+        <p:spPr>
+          <a:xfrm>
+            <a:off x="838200" y="1825625"/>
+            <a:ext cx="10515600" cy="4351338"/>
+          </a:xfrm>
+        </p:spPr>
+        <p:txBody>
+          <a:bodyPr/>
+          <a:lstStyle/>
+          <a:p>
+            <a:r>
+              <a:rPr lang="de-CH"/>
               <a:t>Steht für Transmission Control Protocol/Internet Protocol</a:t>
             </a:r>
           </a:p>
           <a:p>
             <a:r>
-              <a:rPr lang="de-CH" dirty="0"/>
+              <a:rPr lang="de-CH"/>
               <a:t>Auch Internetprotokollfamilie</a:t>
             </a:r>
           </a:p>
           <a:p>
             <a:r>
-              <a:rPr lang="de-CH" dirty="0"/>
+              <a:rPr lang="de-CH"/>
               <a:t>Einzig erfolgreiches Netzwerkprotokoll für alle Betriebssysteme</a:t>
             </a:r>
           </a:p>
           <a:p>
             <a:r>
-              <a:rPr lang="de-CH" dirty="0"/>
+              <a:rPr lang="de-CH"/>
               <a:t>In Schichten unterteilt </a:t>
             </a:r>
           </a:p>
@@ -4666,7 +5345,7 @@
 </p:sld>
 </file>
 
-<file path=ppt/slides/slide4.xml><?xml version="1.0" encoding="utf-8"?>
+<file path=ppt/slides/slide6.xml><?xml version="1.0" encoding="utf-8"?>
 <p:sld xmlns:a="http://schemas.openxmlformats.org/drawingml/2006/main" xmlns:r="http://schemas.openxmlformats.org/officeDocument/2006/relationships" xmlns:p="http://schemas.openxmlformats.org/presentationml/2006/main">
   <p:cSld>
     <p:spTree>
@@ -4730,8 +5409,8 @@
         </p:nvSpPr>
         <p:spPr>
           <a:xfrm>
-            <a:off x="838200" y="1825625"/>
-            <a:ext cx="5257800" cy="4351338"/>
+            <a:off x="838199" y="1825625"/>
+            <a:ext cx="5324431" cy="4351338"/>
           </a:xfrm>
         </p:spPr>
         <p:txBody>
@@ -4747,6 +5426,12 @@
             <a:r>
               <a:rPr lang="de-CH" dirty="0"/>
               <a:t>Sever: reagiert auf Anfragen des Clients</a:t>
+            </a:r>
+          </a:p>
+          <a:p>
+            <a:r>
+              <a:rPr lang="de-CH" dirty="0"/>
+              <a:t>Server wartet auf bekanntem Port</a:t>
             </a:r>
           </a:p>
           <a:p>
@@ -4771,7 +5456,7 @@
           </p:nvPr>
         </p:nvPicPr>
         <p:blipFill rotWithShape="1">
-          <a:blip r:embed="rId2">
+          <a:blip r:embed="rId3">
             <a:extLst>
               <a:ext uri="{28A0092B-C50C-407E-A947-70E740481C1C}">
                 <a14:useLocalDpi xmlns:a14="http://schemas.microsoft.com/office/drawing/2010/main" val="0"/>
@@ -4786,6 +5471,7 @@
             <a:off x="6959400" y="2375707"/>
             <a:ext cx="3607200" cy="3251174"/>
           </a:xfrm>
+          <a:effectLst/>
         </p:spPr>
       </p:pic>
     </p:spTree>
@@ -4801,7 +5487,7 @@
 </p:sld>
 </file>
 
-<file path=ppt/slides/slide5.xml><?xml version="1.0" encoding="utf-8"?>
+<file path=ppt/slides/slide7.xml><?xml version="1.0" encoding="utf-8"?>
 <p:sld xmlns:a="http://schemas.openxmlformats.org/drawingml/2006/main" xmlns:r="http://schemas.openxmlformats.org/officeDocument/2006/relationships" xmlns:p="http://schemas.openxmlformats.org/presentationml/2006/main">
   <p:cSld>
     <p:spTree>
@@ -4946,205 +5632,6 @@
 </p:sld>
 </file>
 
-<file path=ppt/slides/slide6.xml><?xml version="1.0" encoding="utf-8"?>
-<p:sld xmlns:a="http://schemas.openxmlformats.org/drawingml/2006/main" xmlns:r="http://schemas.openxmlformats.org/officeDocument/2006/relationships" xmlns:p="http://schemas.openxmlformats.org/presentationml/2006/main">
-  <p:cSld>
-    <p:spTree>
-      <p:nvGrpSpPr>
-        <p:cNvPr id="1" name=""/>
-        <p:cNvGrpSpPr/>
-        <p:nvPr/>
-      </p:nvGrpSpPr>
-      <p:grpSpPr>
-        <a:xfrm>
-          <a:off x="0" y="0"/>
-          <a:ext cx="0" cy="0"/>
-          <a:chOff x="0" y="0"/>
-          <a:chExt cx="0" cy="0"/>
-        </a:xfrm>
-      </p:grpSpPr>
-      <p:sp>
-        <p:nvSpPr>
-          <p:cNvPr id="2" name="Titel 1">
-            <a:extLst>
-              <a:ext uri="{FF2B5EF4-FFF2-40B4-BE49-F238E27FC236}">
-                <a16:creationId xmlns:a16="http://schemas.microsoft.com/office/drawing/2014/main" id="{5D6B60DD-5DDC-48DF-A802-9A802788917F}"/>
-              </a:ext>
-            </a:extLst>
-          </p:cNvPr>
-          <p:cNvSpPr>
-            <a:spLocks noGrp="1"/>
-          </p:cNvSpPr>
-          <p:nvPr>
-            <p:ph type="title"/>
-          </p:nvPr>
-        </p:nvSpPr>
-        <p:spPr/>
-        <p:txBody>
-          <a:bodyPr/>
-          <a:lstStyle/>
-          <a:p>
-            <a:r>
-              <a:rPr lang="de-CH" dirty="0"/>
-              <a:t>Tichu</a:t>
-            </a:r>
-          </a:p>
-        </p:txBody>
-      </p:sp>
-      <p:sp>
-        <p:nvSpPr>
-          <p:cNvPr id="3" name="Inhaltsplatzhalter 2">
-            <a:extLst>
-              <a:ext uri="{FF2B5EF4-FFF2-40B4-BE49-F238E27FC236}">
-                <a16:creationId xmlns:a16="http://schemas.microsoft.com/office/drawing/2014/main" id="{691C9B80-3B36-450D-BD5A-DB47CA47E379}"/>
-              </a:ext>
-            </a:extLst>
-          </p:cNvPr>
-          <p:cNvSpPr>
-            <a:spLocks noGrp="1"/>
-          </p:cNvSpPr>
-          <p:nvPr>
-            <p:ph idx="1"/>
-          </p:nvPr>
-        </p:nvSpPr>
-        <p:spPr/>
-        <p:txBody>
-          <a:bodyPr/>
-          <a:lstStyle/>
-          <a:p>
-            <a:r>
-              <a:rPr lang="de-CH" dirty="0"/>
-              <a:t>Kartenspiel mit 56 Karten</a:t>
-            </a:r>
-          </a:p>
-          <a:p>
-            <a:r>
-              <a:rPr lang="de-CH" dirty="0"/>
-              <a:t>Vier Spieler in zwei Teams</a:t>
-            </a:r>
-          </a:p>
-          <a:p>
-            <a:r>
-              <a:rPr lang="de-CH" dirty="0"/>
-              <a:t>Verschiedene Kombinationen</a:t>
-            </a:r>
-          </a:p>
-          <a:p>
-            <a:endParaRPr lang="de-CH" dirty="0"/>
-          </a:p>
-        </p:txBody>
-      </p:sp>
-    </p:spTree>
-    <p:extLst>
-      <p:ext uri="{BB962C8B-B14F-4D97-AF65-F5344CB8AC3E}">
-        <p14:creationId xmlns:p14="http://schemas.microsoft.com/office/powerpoint/2010/main" val="120862264"/>
-      </p:ext>
-    </p:extLst>
-  </p:cSld>
-  <p:clrMapOvr>
-    <a:masterClrMapping/>
-  </p:clrMapOvr>
-</p:sld>
-</file>
-
-<file path=ppt/slides/slide7.xml><?xml version="1.0" encoding="utf-8"?>
-<p:sld xmlns:a="http://schemas.openxmlformats.org/drawingml/2006/main" xmlns:r="http://schemas.openxmlformats.org/officeDocument/2006/relationships" xmlns:p="http://schemas.openxmlformats.org/presentationml/2006/main">
-  <p:cSld>
-    <p:spTree>
-      <p:nvGrpSpPr>
-        <p:cNvPr id="1" name=""/>
-        <p:cNvGrpSpPr/>
-        <p:nvPr/>
-      </p:nvGrpSpPr>
-      <p:grpSpPr>
-        <a:xfrm>
-          <a:off x="0" y="0"/>
-          <a:ext cx="0" cy="0"/>
-          <a:chOff x="0" y="0"/>
-          <a:chExt cx="0" cy="0"/>
-        </a:xfrm>
-      </p:grpSpPr>
-      <p:sp>
-        <p:nvSpPr>
-          <p:cNvPr id="2" name="Titel 1">
-            <a:extLst>
-              <a:ext uri="{FF2B5EF4-FFF2-40B4-BE49-F238E27FC236}">
-                <a16:creationId xmlns:a16="http://schemas.microsoft.com/office/drawing/2014/main" id="{47A9BEBE-A9A5-4337-9EB9-BBB17FDCEC82}"/>
-              </a:ext>
-            </a:extLst>
-          </p:cNvPr>
-          <p:cNvSpPr>
-            <a:spLocks noGrp="1"/>
-          </p:cNvSpPr>
-          <p:nvPr>
-            <p:ph type="title"/>
-          </p:nvPr>
-        </p:nvSpPr>
-        <p:spPr/>
-        <p:txBody>
-          <a:bodyPr/>
-          <a:lstStyle/>
-          <a:p>
-            <a:r>
-              <a:rPr lang="de-CH" dirty="0"/>
-              <a:t>Demonstration</a:t>
-            </a:r>
-          </a:p>
-        </p:txBody>
-      </p:sp>
-      <p:sp>
-        <p:nvSpPr>
-          <p:cNvPr id="3" name="Inhaltsplatzhalter 2">
-            <a:extLst>
-              <a:ext uri="{FF2B5EF4-FFF2-40B4-BE49-F238E27FC236}">
-                <a16:creationId xmlns:a16="http://schemas.microsoft.com/office/drawing/2014/main" id="{5D443579-59F6-445A-A662-E62567625D3E}"/>
-              </a:ext>
-            </a:extLst>
-          </p:cNvPr>
-          <p:cNvSpPr>
-            <a:spLocks noGrp="1"/>
-          </p:cNvSpPr>
-          <p:nvPr>
-            <p:ph idx="1"/>
-          </p:nvPr>
-        </p:nvSpPr>
-        <p:spPr/>
-        <p:txBody>
-          <a:bodyPr/>
-          <a:lstStyle/>
-          <a:p>
-            <a:r>
-              <a:rPr lang="de-CH" dirty="0"/>
-              <a:t>4 PCs</a:t>
-            </a:r>
-          </a:p>
-          <a:p>
-            <a:r>
-              <a:rPr lang="de-CH" dirty="0"/>
-              <a:t>Server Programm</a:t>
-            </a:r>
-          </a:p>
-          <a:p>
-            <a:r>
-              <a:rPr lang="de-CH" dirty="0"/>
-              <a:t>4 mal Client Programm</a:t>
-            </a:r>
-          </a:p>
-        </p:txBody>
-      </p:sp>
-    </p:spTree>
-    <p:extLst>
-      <p:ext uri="{BB962C8B-B14F-4D97-AF65-F5344CB8AC3E}">
-        <p14:creationId xmlns:p14="http://schemas.microsoft.com/office/powerpoint/2010/main" val="2924441007"/>
-      </p:ext>
-    </p:extLst>
-  </p:cSld>
-  <p:clrMapOvr>
-    <a:masterClrMapping/>
-  </p:clrMapOvr>
-</p:sld>
-</file>
-
 <file path=ppt/slides/slide8.xml><?xml version="1.0" encoding="utf-8"?>
 <p:sld xmlns:a="http://schemas.openxmlformats.org/drawingml/2006/main" xmlns:r="http://schemas.openxmlformats.org/officeDocument/2006/relationships" xmlns:p="http://schemas.openxmlformats.org/presentationml/2006/main">
   <p:cSld>
@@ -5167,7 +5654,7 @@
           <p:cNvPr id="2" name="Titel 1">
             <a:extLst>
               <a:ext uri="{FF2B5EF4-FFF2-40B4-BE49-F238E27FC236}">
-                <a16:creationId xmlns:a16="http://schemas.microsoft.com/office/drawing/2014/main" id="{2BF3529B-010B-4F70-9371-58733E14E874}"/>
+                <a16:creationId xmlns:a16="http://schemas.microsoft.com/office/drawing/2014/main" id="{5D6B60DD-5DDC-48DF-A802-9A802788917F}"/>
               </a:ext>
             </a:extLst>
           </p:cNvPr>
@@ -5183,7 +5670,10 @@
           <a:bodyPr/>
           <a:lstStyle/>
           <a:p>
-            <a:endParaRPr lang="de-CH"/>
+            <a:r>
+              <a:rPr lang="de-CH" dirty="0"/>
+              <a:t>Tichu</a:t>
+            </a:r>
           </a:p>
         </p:txBody>
       </p:sp>
@@ -5192,7 +5682,7 @@
           <p:cNvPr id="3" name="Inhaltsplatzhalter 2">
             <a:extLst>
               <a:ext uri="{FF2B5EF4-FFF2-40B4-BE49-F238E27FC236}">
-                <a16:creationId xmlns:a16="http://schemas.microsoft.com/office/drawing/2014/main" id="{87048029-005A-433C-B90F-2817F6D0D701}"/>
+                <a16:creationId xmlns:a16="http://schemas.microsoft.com/office/drawing/2014/main" id="{691C9B80-3B36-450D-BD5A-DB47CA47E379}"/>
               </a:ext>
             </a:extLst>
           </p:cNvPr>
@@ -5208,14 +5698,136 @@
           <a:bodyPr/>
           <a:lstStyle/>
           <a:p>
-            <a:endParaRPr lang="de-CH"/>
+            <a:r>
+              <a:rPr lang="de-CH" dirty="0"/>
+              <a:t>Kartenspiel mit 56 Karten</a:t>
+            </a:r>
+          </a:p>
+          <a:p>
+            <a:r>
+              <a:rPr lang="de-CH" dirty="0"/>
+              <a:t>Vier Spieler in zwei Teams</a:t>
+            </a:r>
+          </a:p>
+          <a:p>
+            <a:r>
+              <a:rPr lang="de-CH" dirty="0"/>
+              <a:t>Verschiedene Kombinationen</a:t>
+            </a:r>
+          </a:p>
+          <a:p>
+            <a:r>
+              <a:rPr lang="de-CH" dirty="0"/>
+              <a:t>Schupfen</a:t>
+            </a:r>
+          </a:p>
+          <a:p>
+            <a:endParaRPr lang="de-CH" dirty="0"/>
           </a:p>
         </p:txBody>
       </p:sp>
     </p:spTree>
     <p:extLst>
       <p:ext uri="{BB962C8B-B14F-4D97-AF65-F5344CB8AC3E}">
-        <p14:creationId xmlns:p14="http://schemas.microsoft.com/office/powerpoint/2010/main" val="799084088"/>
+        <p14:creationId xmlns:p14="http://schemas.microsoft.com/office/powerpoint/2010/main" val="120862264"/>
+      </p:ext>
+    </p:extLst>
+  </p:cSld>
+  <p:clrMapOvr>
+    <a:masterClrMapping/>
+  </p:clrMapOvr>
+</p:sld>
+</file>
+
+<file path=ppt/slides/slide9.xml><?xml version="1.0" encoding="utf-8"?>
+<p:sld xmlns:a="http://schemas.openxmlformats.org/drawingml/2006/main" xmlns:r="http://schemas.openxmlformats.org/officeDocument/2006/relationships" xmlns:p="http://schemas.openxmlformats.org/presentationml/2006/main">
+  <p:cSld>
+    <p:spTree>
+      <p:nvGrpSpPr>
+        <p:cNvPr id="1" name=""/>
+        <p:cNvGrpSpPr/>
+        <p:nvPr/>
+      </p:nvGrpSpPr>
+      <p:grpSpPr>
+        <a:xfrm>
+          <a:off x="0" y="0"/>
+          <a:ext cx="0" cy="0"/>
+          <a:chOff x="0" y="0"/>
+          <a:chExt cx="0" cy="0"/>
+        </a:xfrm>
+      </p:grpSpPr>
+      <p:sp>
+        <p:nvSpPr>
+          <p:cNvPr id="2" name="Titel 1">
+            <a:extLst>
+              <a:ext uri="{FF2B5EF4-FFF2-40B4-BE49-F238E27FC236}">
+                <a16:creationId xmlns:a16="http://schemas.microsoft.com/office/drawing/2014/main" id="{47A9BEBE-A9A5-4337-9EB9-BBB17FDCEC82}"/>
+              </a:ext>
+            </a:extLst>
+          </p:cNvPr>
+          <p:cNvSpPr>
+            <a:spLocks noGrp="1"/>
+          </p:cNvSpPr>
+          <p:nvPr>
+            <p:ph type="title"/>
+          </p:nvPr>
+        </p:nvSpPr>
+        <p:spPr/>
+        <p:txBody>
+          <a:bodyPr/>
+          <a:lstStyle/>
+          <a:p>
+            <a:r>
+              <a:rPr lang="de-CH" dirty="0"/>
+              <a:t>Demonstration</a:t>
+            </a:r>
+          </a:p>
+        </p:txBody>
+      </p:sp>
+      <p:sp>
+        <p:nvSpPr>
+          <p:cNvPr id="3" name="Inhaltsplatzhalter 2">
+            <a:extLst>
+              <a:ext uri="{FF2B5EF4-FFF2-40B4-BE49-F238E27FC236}">
+                <a16:creationId xmlns:a16="http://schemas.microsoft.com/office/drawing/2014/main" id="{5D443579-59F6-445A-A662-E62567625D3E}"/>
+              </a:ext>
+            </a:extLst>
+          </p:cNvPr>
+          <p:cNvSpPr>
+            <a:spLocks noGrp="1"/>
+          </p:cNvSpPr>
+          <p:nvPr>
+            <p:ph idx="1"/>
+          </p:nvPr>
+        </p:nvSpPr>
+        <p:spPr/>
+        <p:txBody>
+          <a:bodyPr/>
+          <a:lstStyle/>
+          <a:p>
+            <a:r>
+              <a:rPr lang="de-CH" dirty="0"/>
+              <a:t>4 PCs</a:t>
+            </a:r>
+          </a:p>
+          <a:p>
+            <a:r>
+              <a:rPr lang="de-CH" dirty="0"/>
+              <a:t>Server Programm</a:t>
+            </a:r>
+          </a:p>
+          <a:p>
+            <a:r>
+              <a:rPr lang="de-CH" dirty="0"/>
+              <a:t>4 mal Client Programm</a:t>
+            </a:r>
+          </a:p>
+        </p:txBody>
+      </p:sp>
+    </p:spTree>
+    <p:extLst>
+      <p:ext uri="{BB962C8B-B14F-4D97-AF65-F5344CB8AC3E}">
+        <p14:creationId xmlns:p14="http://schemas.microsoft.com/office/powerpoint/2010/main" val="2924441007"/>
       </p:ext>
     </p:extLst>
   </p:cSld>
